--- a/Präsentation/Prasentation_zu_IFrame.pptx
+++ b/Präsentation/Prasentation_zu_IFrame.pptx
@@ -4,13 +4,19 @@
   <p:sldMasterIdLst>
     <p:sldMasterId id="2147483648" r:id="rId1"/>
   </p:sldMasterIdLst>
+  <p:notesMasterIdLst>
+    <p:notesMasterId r:id="rId11"/>
+  </p:notesMasterIdLst>
   <p:sldIdLst>
     <p:sldId id="256" r:id="rId2"/>
     <p:sldId id="257" r:id="rId3"/>
     <p:sldId id="258" r:id="rId4"/>
-    <p:sldId id="259" r:id="rId5"/>
-    <p:sldId id="260" r:id="rId6"/>
-    <p:sldId id="261" r:id="rId7"/>
+    <p:sldId id="262" r:id="rId5"/>
+    <p:sldId id="263" r:id="rId6"/>
+    <p:sldId id="259" r:id="rId7"/>
+    <p:sldId id="260" r:id="rId8"/>
+    <p:sldId id="264" r:id="rId9"/>
+    <p:sldId id="261" r:id="rId10"/>
   </p:sldIdLst>
   <p:sldSz cx="12192000" cy="6858000"/>
   <p:notesSz cx="6858000" cy="9144000"/>
@@ -109,13 +115,18 @@
       </a:defRPr>
     </a:lvl9pPr>
   </p:defaultTextStyle>
+  <p:extLst>
+    <p:ext uri="{EFAFB233-063F-42B5-8137-9DF3F51BA10A}">
+      <p15:sldGuideLst xmlns:p15="http://schemas.microsoft.com/office/powerpoint/2012/main"/>
+    </p:ext>
+  </p:extLst>
 </p:presentation>
 </file>
 
 <file path=ppt/revisionInfo.xml><?xml version="1.0" encoding="utf-8"?>
 <p1510:revInfo xmlns:a="http://schemas.openxmlformats.org/drawingml/2006/main" xmlns:r="http://schemas.openxmlformats.org/officeDocument/2006/relationships" xmlns:p1510="http://schemas.microsoft.com/office/powerpoint/2015/10/main">
   <p1510:revLst>
-    <p1510:client id="{44523F65-8EEE-408D-94F8-E6C2626BD9D1}" v="319" dt="2023-06-13T08:30:45.062"/>
+    <p1510:client id="{CAF41BE1-634B-43E4-BCA0-42B810F12484}" v="3" dt="2023-06-18T14:49:51.491"/>
   </p1510:revLst>
 </p1510:revInfo>
 </file>
@@ -477,7 +488,835 @@
       </pc:sldChg>
     </pc:docChg>
   </pc:docChgLst>
+  <pc:docChgLst>
+    <pc:chgData name="Niclas Erismann" userId="ceb11173-d62e-4c6e-9ea3-3595d591878f" providerId="ADAL" clId="{CAF41BE1-634B-43E4-BCA0-42B810F12484}"/>
+    <pc:docChg chg="modSld">
+      <pc:chgData name="Niclas Erismann" userId="ceb11173-d62e-4c6e-9ea3-3595d591878f" providerId="ADAL" clId="{CAF41BE1-634B-43E4-BCA0-42B810F12484}" dt="2023-06-18T14:50:48.693" v="70" actId="14826"/>
+      <pc:docMkLst>
+        <pc:docMk/>
+      </pc:docMkLst>
+      <pc:sldChg chg="addSp modSp mod">
+        <pc:chgData name="Niclas Erismann" userId="ceb11173-d62e-4c6e-9ea3-3595d591878f" providerId="ADAL" clId="{CAF41BE1-634B-43E4-BCA0-42B810F12484}" dt="2023-06-18T14:50:48.693" v="70" actId="14826"/>
+        <pc:sldMkLst>
+          <pc:docMk/>
+          <pc:sldMk cId="898674988" sldId="264"/>
+        </pc:sldMkLst>
+        <pc:spChg chg="mod">
+          <ac:chgData name="Niclas Erismann" userId="ceb11173-d62e-4c6e-9ea3-3595d591878f" providerId="ADAL" clId="{CAF41BE1-634B-43E4-BCA0-42B810F12484}" dt="2023-06-18T14:50:06.420" v="65" actId="20577"/>
+          <ac:spMkLst>
+            <pc:docMk/>
+            <pc:sldMk cId="898674988" sldId="264"/>
+            <ac:spMk id="6" creationId="{F9E9347B-EAC9-1230-3CFE-BCE96C9EA11A}"/>
+          </ac:spMkLst>
+        </pc:spChg>
+        <pc:picChg chg="mod">
+          <ac:chgData name="Niclas Erismann" userId="ceb11173-d62e-4c6e-9ea3-3595d591878f" providerId="ADAL" clId="{CAF41BE1-634B-43E4-BCA0-42B810F12484}" dt="2023-06-18T14:49:51.491" v="13" actId="1076"/>
+          <ac:picMkLst>
+            <pc:docMk/>
+            <pc:sldMk cId="898674988" sldId="264"/>
+            <ac:picMk id="4" creationId="{50AAC909-9DD8-6BDB-8C9A-D71468E3F81F}"/>
+          </ac:picMkLst>
+        </pc:picChg>
+        <pc:picChg chg="add mod">
+          <ac:chgData name="Niclas Erismann" userId="ceb11173-d62e-4c6e-9ea3-3595d591878f" providerId="ADAL" clId="{CAF41BE1-634B-43E4-BCA0-42B810F12484}" dt="2023-06-18T14:49:59.374" v="52" actId="1036"/>
+          <ac:picMkLst>
+            <pc:docMk/>
+            <pc:sldMk cId="898674988" sldId="264"/>
+            <ac:picMk id="5" creationId="{24435891-CC34-DB6C-CD84-2CCFD7F50046}"/>
+          </ac:picMkLst>
+        </pc:picChg>
+        <pc:picChg chg="add mod">
+          <ac:chgData name="Niclas Erismann" userId="ceb11173-d62e-4c6e-9ea3-3595d591878f" providerId="ADAL" clId="{CAF41BE1-634B-43E4-BCA0-42B810F12484}" dt="2023-06-18T14:49:59.374" v="52" actId="1036"/>
+          <ac:picMkLst>
+            <pc:docMk/>
+            <pc:sldMk cId="898674988" sldId="264"/>
+            <ac:picMk id="8" creationId="{1C253C31-8C9C-5BC6-4560-DF90B0E87A38}"/>
+          </ac:picMkLst>
+        </pc:picChg>
+        <pc:picChg chg="add mod">
+          <ac:chgData name="Niclas Erismann" userId="ceb11173-d62e-4c6e-9ea3-3595d591878f" providerId="ADAL" clId="{CAF41BE1-634B-43E4-BCA0-42B810F12484}" dt="2023-06-18T14:49:59.374" v="52" actId="1036"/>
+          <ac:picMkLst>
+            <pc:docMk/>
+            <pc:sldMk cId="898674988" sldId="264"/>
+            <ac:picMk id="10" creationId="{D85B3818-2A89-BCC2-1708-9B4B14DE945C}"/>
+          </ac:picMkLst>
+        </pc:picChg>
+        <pc:picChg chg="add mod">
+          <ac:chgData name="Niclas Erismann" userId="ceb11173-d62e-4c6e-9ea3-3595d591878f" providerId="ADAL" clId="{CAF41BE1-634B-43E4-BCA0-42B810F12484}" dt="2023-06-18T14:50:48.693" v="70" actId="14826"/>
+          <ac:picMkLst>
+            <pc:docMk/>
+            <pc:sldMk cId="898674988" sldId="264"/>
+            <ac:picMk id="12" creationId="{B76F752F-786F-16BB-6762-F596DEF571AC}"/>
+          </ac:picMkLst>
+        </pc:picChg>
+      </pc:sldChg>
+    </pc:docChg>
+  </pc:docChgLst>
 </pc:chgInfo>
+</file>
+
+<file path=ppt/notesMasters/notesMaster1.xml><?xml version="1.0" encoding="utf-8"?>
+<p:notesMaster xmlns:a="http://schemas.openxmlformats.org/drawingml/2006/main" xmlns:r="http://schemas.openxmlformats.org/officeDocument/2006/relationships" xmlns:p="http://schemas.openxmlformats.org/presentationml/2006/main">
+  <p:cSld>
+    <p:bg>
+      <p:bgRef idx="1001">
+        <a:schemeClr val="bg1"/>
+      </p:bgRef>
+    </p:bg>
+    <p:spTree>
+      <p:nvGrpSpPr>
+        <p:cNvPr id="1" name=""/>
+        <p:cNvGrpSpPr/>
+        <p:nvPr/>
+      </p:nvGrpSpPr>
+      <p:grpSpPr>
+        <a:xfrm>
+          <a:off x="0" y="0"/>
+          <a:ext cx="0" cy="0"/>
+          <a:chOff x="0" y="0"/>
+          <a:chExt cx="0" cy="0"/>
+        </a:xfrm>
+      </p:grpSpPr>
+      <p:sp>
+        <p:nvSpPr>
+          <p:cNvPr id="2" name="Kopfzeilenplatzhalter 1"/>
+          <p:cNvSpPr>
+            <a:spLocks noGrp="1"/>
+          </p:cNvSpPr>
+          <p:nvPr>
+            <p:ph type="hdr" sz="quarter"/>
+          </p:nvPr>
+        </p:nvSpPr>
+        <p:spPr>
+          <a:xfrm>
+            <a:off x="0" y="0"/>
+            <a:ext cx="2971800" cy="458788"/>
+          </a:xfrm>
+          <a:prstGeom prst="rect">
+            <a:avLst/>
+          </a:prstGeom>
+        </p:spPr>
+        <p:txBody>
+          <a:bodyPr vert="horz" lIns="91440" tIns="45720" rIns="91440" bIns="45720" rtlCol="0"/>
+          <a:lstStyle>
+            <a:lvl1pPr algn="l">
+              <a:defRPr sz="1200"/>
+            </a:lvl1pPr>
+          </a:lstStyle>
+          <a:p>
+            <a:endParaRPr lang="de-CH"/>
+          </a:p>
+        </p:txBody>
+      </p:sp>
+      <p:sp>
+        <p:nvSpPr>
+          <p:cNvPr id="3" name="Datumsplatzhalter 2"/>
+          <p:cNvSpPr>
+            <a:spLocks noGrp="1"/>
+          </p:cNvSpPr>
+          <p:nvPr>
+            <p:ph type="dt" idx="1"/>
+          </p:nvPr>
+        </p:nvSpPr>
+        <p:spPr>
+          <a:xfrm>
+            <a:off x="3884613" y="0"/>
+            <a:ext cx="2971800" cy="458788"/>
+          </a:xfrm>
+          <a:prstGeom prst="rect">
+            <a:avLst/>
+          </a:prstGeom>
+        </p:spPr>
+        <p:txBody>
+          <a:bodyPr vert="horz" lIns="91440" tIns="45720" rIns="91440" bIns="45720" rtlCol="0"/>
+          <a:lstStyle>
+            <a:lvl1pPr algn="r">
+              <a:defRPr sz="1200"/>
+            </a:lvl1pPr>
+          </a:lstStyle>
+          <a:p>
+            <a:fld id="{204CDB6E-6F00-4DA3-989A-0AC878BE53F7}" type="datetimeFigureOut">
+              <a:rPr lang="de-CH" smtClean="0"/>
+              <a:t>18.06.2023</a:t>
+            </a:fld>
+            <a:endParaRPr lang="de-CH"/>
+          </a:p>
+        </p:txBody>
+      </p:sp>
+      <p:sp>
+        <p:nvSpPr>
+          <p:cNvPr id="4" name="Folienbildplatzhalter 3"/>
+          <p:cNvSpPr>
+            <a:spLocks noGrp="1" noRot="1" noChangeAspect="1"/>
+          </p:cNvSpPr>
+          <p:nvPr>
+            <p:ph type="sldImg" idx="2"/>
+          </p:nvPr>
+        </p:nvSpPr>
+        <p:spPr>
+          <a:xfrm>
+            <a:off x="685800" y="1143000"/>
+            <a:ext cx="5486400" cy="3086100"/>
+          </a:xfrm>
+          <a:prstGeom prst="rect">
+            <a:avLst/>
+          </a:prstGeom>
+          <a:noFill/>
+          <a:ln w="12700">
+            <a:solidFill>
+              <a:prstClr val="black"/>
+            </a:solidFill>
+          </a:ln>
+        </p:spPr>
+        <p:txBody>
+          <a:bodyPr vert="horz" lIns="91440" tIns="45720" rIns="91440" bIns="45720" rtlCol="0" anchor="ctr"/>
+          <a:lstStyle/>
+          <a:p>
+            <a:endParaRPr lang="de-CH"/>
+          </a:p>
+        </p:txBody>
+      </p:sp>
+      <p:sp>
+        <p:nvSpPr>
+          <p:cNvPr id="5" name="Notizenplatzhalter 4"/>
+          <p:cNvSpPr>
+            <a:spLocks noGrp="1"/>
+          </p:cNvSpPr>
+          <p:nvPr>
+            <p:ph type="body" sz="quarter" idx="3"/>
+          </p:nvPr>
+        </p:nvSpPr>
+        <p:spPr>
+          <a:xfrm>
+            <a:off x="685800" y="4400550"/>
+            <a:ext cx="5486400" cy="3600450"/>
+          </a:xfrm>
+          <a:prstGeom prst="rect">
+            <a:avLst/>
+          </a:prstGeom>
+        </p:spPr>
+        <p:txBody>
+          <a:bodyPr vert="horz" lIns="91440" tIns="45720" rIns="91440" bIns="45720" rtlCol="0"/>
+          <a:lstStyle/>
+          <a:p>
+            <a:pPr lvl="0"/>
+            <a:r>
+              <a:rPr lang="de-DE"/>
+              <a:t>Mastertextformat bearbeiten</a:t>
+            </a:r>
+          </a:p>
+          <a:p>
+            <a:pPr lvl="1"/>
+            <a:r>
+              <a:rPr lang="de-DE"/>
+              <a:t>Zweite Ebene</a:t>
+            </a:r>
+          </a:p>
+          <a:p>
+            <a:pPr lvl="2"/>
+            <a:r>
+              <a:rPr lang="de-DE"/>
+              <a:t>Dritte Ebene</a:t>
+            </a:r>
+          </a:p>
+          <a:p>
+            <a:pPr lvl="3"/>
+            <a:r>
+              <a:rPr lang="de-DE"/>
+              <a:t>Vierte Ebene</a:t>
+            </a:r>
+          </a:p>
+          <a:p>
+            <a:pPr lvl="4"/>
+            <a:r>
+              <a:rPr lang="de-DE"/>
+              <a:t>Fünfte Ebene</a:t>
+            </a:r>
+            <a:endParaRPr lang="de-CH"/>
+          </a:p>
+        </p:txBody>
+      </p:sp>
+      <p:sp>
+        <p:nvSpPr>
+          <p:cNvPr id="6" name="Fußzeilenplatzhalter 5"/>
+          <p:cNvSpPr>
+            <a:spLocks noGrp="1"/>
+          </p:cNvSpPr>
+          <p:nvPr>
+            <p:ph type="ftr" sz="quarter" idx="4"/>
+          </p:nvPr>
+        </p:nvSpPr>
+        <p:spPr>
+          <a:xfrm>
+            <a:off x="0" y="8685213"/>
+            <a:ext cx="2971800" cy="458787"/>
+          </a:xfrm>
+          <a:prstGeom prst="rect">
+            <a:avLst/>
+          </a:prstGeom>
+        </p:spPr>
+        <p:txBody>
+          <a:bodyPr vert="horz" lIns="91440" tIns="45720" rIns="91440" bIns="45720" rtlCol="0" anchor="b"/>
+          <a:lstStyle>
+            <a:lvl1pPr algn="l">
+              <a:defRPr sz="1200"/>
+            </a:lvl1pPr>
+          </a:lstStyle>
+          <a:p>
+            <a:endParaRPr lang="de-CH"/>
+          </a:p>
+        </p:txBody>
+      </p:sp>
+      <p:sp>
+        <p:nvSpPr>
+          <p:cNvPr id="7" name="Foliennummernplatzhalter 6"/>
+          <p:cNvSpPr>
+            <a:spLocks noGrp="1"/>
+          </p:cNvSpPr>
+          <p:nvPr>
+            <p:ph type="sldNum" sz="quarter" idx="5"/>
+          </p:nvPr>
+        </p:nvSpPr>
+        <p:spPr>
+          <a:xfrm>
+            <a:off x="3884613" y="8685213"/>
+            <a:ext cx="2971800" cy="458787"/>
+          </a:xfrm>
+          <a:prstGeom prst="rect">
+            <a:avLst/>
+          </a:prstGeom>
+        </p:spPr>
+        <p:txBody>
+          <a:bodyPr vert="horz" lIns="91440" tIns="45720" rIns="91440" bIns="45720" rtlCol="0" anchor="b"/>
+          <a:lstStyle>
+            <a:lvl1pPr algn="r">
+              <a:defRPr sz="1200"/>
+            </a:lvl1pPr>
+          </a:lstStyle>
+          <a:p>
+            <a:fld id="{9AF96A84-68B0-49C9-AD14-99963EF82DD5}" type="slidenum">
+              <a:rPr lang="de-CH" smtClean="0"/>
+              <a:t>‹Nr.›</a:t>
+            </a:fld>
+            <a:endParaRPr lang="de-CH"/>
+          </a:p>
+        </p:txBody>
+      </p:sp>
+    </p:spTree>
+    <p:extLst>
+      <p:ext uri="{BB962C8B-B14F-4D97-AF65-F5344CB8AC3E}">
+        <p14:creationId xmlns:p14="http://schemas.microsoft.com/office/powerpoint/2010/main" val="240148611"/>
+      </p:ext>
+    </p:extLst>
+  </p:cSld>
+  <p:clrMap bg1="lt1" tx1="dk1" bg2="lt2" tx2="dk2" accent1="accent1" accent2="accent2" accent3="accent3" accent4="accent4" accent5="accent5" accent6="accent6" hlink="hlink" folHlink="folHlink"/>
+  <p:notesStyle>
+    <a:lvl1pPr marL="0" algn="l" defTabSz="914400" rtl="0" eaLnBrk="1" latinLnBrk="0" hangingPunct="1">
+      <a:defRPr sz="1200" kern="1200">
+        <a:solidFill>
+          <a:schemeClr val="tx1"/>
+        </a:solidFill>
+        <a:latin typeface="+mn-lt"/>
+        <a:ea typeface="+mn-ea"/>
+        <a:cs typeface="+mn-cs"/>
+      </a:defRPr>
+    </a:lvl1pPr>
+    <a:lvl2pPr marL="457200" algn="l" defTabSz="914400" rtl="0" eaLnBrk="1" latinLnBrk="0" hangingPunct="1">
+      <a:defRPr sz="1200" kern="1200">
+        <a:solidFill>
+          <a:schemeClr val="tx1"/>
+        </a:solidFill>
+        <a:latin typeface="+mn-lt"/>
+        <a:ea typeface="+mn-ea"/>
+        <a:cs typeface="+mn-cs"/>
+      </a:defRPr>
+    </a:lvl2pPr>
+    <a:lvl3pPr marL="914400" algn="l" defTabSz="914400" rtl="0" eaLnBrk="1" latinLnBrk="0" hangingPunct="1">
+      <a:defRPr sz="1200" kern="1200">
+        <a:solidFill>
+          <a:schemeClr val="tx1"/>
+        </a:solidFill>
+        <a:latin typeface="+mn-lt"/>
+        <a:ea typeface="+mn-ea"/>
+        <a:cs typeface="+mn-cs"/>
+      </a:defRPr>
+    </a:lvl3pPr>
+    <a:lvl4pPr marL="1371600" algn="l" defTabSz="914400" rtl="0" eaLnBrk="1" latinLnBrk="0" hangingPunct="1">
+      <a:defRPr sz="1200" kern="1200">
+        <a:solidFill>
+          <a:schemeClr val="tx1"/>
+        </a:solidFill>
+        <a:latin typeface="+mn-lt"/>
+        <a:ea typeface="+mn-ea"/>
+        <a:cs typeface="+mn-cs"/>
+      </a:defRPr>
+    </a:lvl4pPr>
+    <a:lvl5pPr marL="1828800" algn="l" defTabSz="914400" rtl="0" eaLnBrk="1" latinLnBrk="0" hangingPunct="1">
+      <a:defRPr sz="1200" kern="1200">
+        <a:solidFill>
+          <a:schemeClr val="tx1"/>
+        </a:solidFill>
+        <a:latin typeface="+mn-lt"/>
+        <a:ea typeface="+mn-ea"/>
+        <a:cs typeface="+mn-cs"/>
+      </a:defRPr>
+    </a:lvl5pPr>
+    <a:lvl6pPr marL="2286000" algn="l" defTabSz="914400" rtl="0" eaLnBrk="1" latinLnBrk="0" hangingPunct="1">
+      <a:defRPr sz="1200" kern="1200">
+        <a:solidFill>
+          <a:schemeClr val="tx1"/>
+        </a:solidFill>
+        <a:latin typeface="+mn-lt"/>
+        <a:ea typeface="+mn-ea"/>
+        <a:cs typeface="+mn-cs"/>
+      </a:defRPr>
+    </a:lvl6pPr>
+    <a:lvl7pPr marL="2743200" algn="l" defTabSz="914400" rtl="0" eaLnBrk="1" latinLnBrk="0" hangingPunct="1">
+      <a:defRPr sz="1200" kern="1200">
+        <a:solidFill>
+          <a:schemeClr val="tx1"/>
+        </a:solidFill>
+        <a:latin typeface="+mn-lt"/>
+        <a:ea typeface="+mn-ea"/>
+        <a:cs typeface="+mn-cs"/>
+      </a:defRPr>
+    </a:lvl7pPr>
+    <a:lvl8pPr marL="3200400" algn="l" defTabSz="914400" rtl="0" eaLnBrk="1" latinLnBrk="0" hangingPunct="1">
+      <a:defRPr sz="1200" kern="1200">
+        <a:solidFill>
+          <a:schemeClr val="tx1"/>
+        </a:solidFill>
+        <a:latin typeface="+mn-lt"/>
+        <a:ea typeface="+mn-ea"/>
+        <a:cs typeface="+mn-cs"/>
+      </a:defRPr>
+    </a:lvl8pPr>
+    <a:lvl9pPr marL="3657600" algn="l" defTabSz="914400" rtl="0" eaLnBrk="1" latinLnBrk="0" hangingPunct="1">
+      <a:defRPr sz="1200" kern="1200">
+        <a:solidFill>
+          <a:schemeClr val="tx1"/>
+        </a:solidFill>
+        <a:latin typeface="+mn-lt"/>
+        <a:ea typeface="+mn-ea"/>
+        <a:cs typeface="+mn-cs"/>
+      </a:defRPr>
+    </a:lvl9pPr>
+  </p:notesStyle>
+</p:notesMaster>
+</file>
+
+<file path=ppt/notesSlides/notesSlide1.xml><?xml version="1.0" encoding="utf-8"?>
+<p:notes xmlns:a="http://schemas.openxmlformats.org/drawingml/2006/main" xmlns:r="http://schemas.openxmlformats.org/officeDocument/2006/relationships" xmlns:p="http://schemas.openxmlformats.org/presentationml/2006/main">
+  <p:cSld>
+    <p:spTree>
+      <p:nvGrpSpPr>
+        <p:cNvPr id="1" name=""/>
+        <p:cNvGrpSpPr/>
+        <p:nvPr/>
+      </p:nvGrpSpPr>
+      <p:grpSpPr>
+        <a:xfrm>
+          <a:off x="0" y="0"/>
+          <a:ext cx="0" cy="0"/>
+          <a:chOff x="0" y="0"/>
+          <a:chExt cx="0" cy="0"/>
+        </a:xfrm>
+      </p:grpSpPr>
+      <p:sp>
+        <p:nvSpPr>
+          <p:cNvPr id="2" name="Folienbildplatzhalter 1"/>
+          <p:cNvSpPr>
+            <a:spLocks noGrp="1" noRot="1" noChangeAspect="1"/>
+          </p:cNvSpPr>
+          <p:nvPr>
+            <p:ph type="sldImg"/>
+          </p:nvPr>
+        </p:nvSpPr>
+        <p:spPr/>
+      </p:sp>
+      <p:sp>
+        <p:nvSpPr>
+          <p:cNvPr id="3" name="Notizenplatzhalter 2"/>
+          <p:cNvSpPr>
+            <a:spLocks noGrp="1"/>
+          </p:cNvSpPr>
+          <p:nvPr>
+            <p:ph type="body" idx="1"/>
+          </p:nvPr>
+        </p:nvSpPr>
+        <p:spPr/>
+        <p:txBody>
+          <a:bodyPr/>
+          <a:lstStyle/>
+          <a:p>
+            <a:pPr algn="l">
+              <a:buFont typeface="Arial" panose="020B0604020202020204" pitchFamily="34" charset="0"/>
+              <a:buChar char="•"/>
+            </a:pPr>
+            <a:r>
+              <a:rPr lang="de-DE" b="0" i="0" dirty="0" err="1">
+                <a:solidFill>
+                  <a:srgbClr val="D1D5DB"/>
+                </a:solidFill>
+                <a:effectLst/>
+                <a:latin typeface="Söhne"/>
+              </a:rPr>
+              <a:t>src</a:t>
+            </a:r>
+            <a:r>
+              <a:rPr lang="de-DE" b="0" i="0" dirty="0">
+                <a:solidFill>
+                  <a:srgbClr val="D1D5DB"/>
+                </a:solidFill>
+                <a:effectLst/>
+                <a:latin typeface="Söhne"/>
+              </a:rPr>
+              <a:t> (Quelle): Dieses Attribut definiert die URL der zu ladenden Ressource innerhalb des </a:t>
+            </a:r>
+            <a:r>
+              <a:rPr lang="de-DE" b="0" i="0" dirty="0" err="1">
+                <a:solidFill>
+                  <a:srgbClr val="D1D5DB"/>
+                </a:solidFill>
+                <a:effectLst/>
+                <a:latin typeface="Söhne"/>
+              </a:rPr>
+              <a:t>Iframes</a:t>
+            </a:r>
+            <a:r>
+              <a:rPr lang="de-DE" b="0" i="0" dirty="0">
+                <a:solidFill>
+                  <a:srgbClr val="D1D5DB"/>
+                </a:solidFill>
+                <a:effectLst/>
+                <a:latin typeface="Söhne"/>
+              </a:rPr>
+              <a:t>. Es kann eine externe Website, ein Video, eine Karte oder ein anderes HTML-Dokument sein.</a:t>
+            </a:r>
+          </a:p>
+          <a:p>
+            <a:pPr algn="l">
+              <a:buFont typeface="Arial" panose="020B0604020202020204" pitchFamily="34" charset="0"/>
+              <a:buChar char="•"/>
+            </a:pPr>
+            <a:r>
+              <a:rPr lang="de-DE" b="0" i="0" dirty="0" err="1">
+                <a:solidFill>
+                  <a:srgbClr val="D1D5DB"/>
+                </a:solidFill>
+                <a:effectLst/>
+                <a:latin typeface="Söhne"/>
+              </a:rPr>
+              <a:t>width</a:t>
+            </a:r>
+            <a:r>
+              <a:rPr lang="de-DE" b="0" i="0" dirty="0">
+                <a:solidFill>
+                  <a:srgbClr val="D1D5DB"/>
+                </a:solidFill>
+                <a:effectLst/>
+                <a:latin typeface="Söhne"/>
+              </a:rPr>
+              <a:t> (Breite): Mit diesem Attribut kannst du die Breite des </a:t>
+            </a:r>
+            <a:r>
+              <a:rPr lang="de-DE" b="0" i="0" dirty="0" err="1">
+                <a:solidFill>
+                  <a:srgbClr val="D1D5DB"/>
+                </a:solidFill>
+                <a:effectLst/>
+                <a:latin typeface="Söhne"/>
+              </a:rPr>
+              <a:t>Iframes</a:t>
+            </a:r>
+            <a:r>
+              <a:rPr lang="de-DE" b="0" i="0" dirty="0">
+                <a:solidFill>
+                  <a:srgbClr val="D1D5DB"/>
+                </a:solidFill>
+                <a:effectLst/>
+                <a:latin typeface="Söhne"/>
+              </a:rPr>
+              <a:t> in Pixeln oder Prozent angeben. Zum Beispiel: </a:t>
+            </a:r>
+            <a:r>
+              <a:rPr lang="de-DE" b="0" i="0" dirty="0" err="1">
+                <a:solidFill>
+                  <a:srgbClr val="D1D5DB"/>
+                </a:solidFill>
+                <a:effectLst/>
+                <a:latin typeface="Söhne"/>
+              </a:rPr>
+              <a:t>width</a:t>
+            </a:r>
+            <a:r>
+              <a:rPr lang="de-DE" b="0" i="0" dirty="0">
+                <a:solidFill>
+                  <a:srgbClr val="D1D5DB"/>
+                </a:solidFill>
+                <a:effectLst/>
+                <a:latin typeface="Söhne"/>
+              </a:rPr>
+              <a:t>="500" oder </a:t>
+            </a:r>
+            <a:r>
+              <a:rPr lang="de-DE" b="0" i="0" dirty="0" err="1">
+                <a:solidFill>
+                  <a:srgbClr val="D1D5DB"/>
+                </a:solidFill>
+                <a:effectLst/>
+                <a:latin typeface="Söhne"/>
+              </a:rPr>
+              <a:t>width</a:t>
+            </a:r>
+            <a:r>
+              <a:rPr lang="de-DE" b="0" i="0" dirty="0">
+                <a:solidFill>
+                  <a:srgbClr val="D1D5DB"/>
+                </a:solidFill>
+                <a:effectLst/>
+                <a:latin typeface="Söhne"/>
+              </a:rPr>
+              <a:t>="50%".</a:t>
+            </a:r>
+          </a:p>
+          <a:p>
+            <a:pPr algn="l">
+              <a:buFont typeface="Arial" panose="020B0604020202020204" pitchFamily="34" charset="0"/>
+              <a:buChar char="•"/>
+            </a:pPr>
+            <a:r>
+              <a:rPr lang="de-DE" b="0" i="0" dirty="0" err="1">
+                <a:solidFill>
+                  <a:srgbClr val="D1D5DB"/>
+                </a:solidFill>
+                <a:effectLst/>
+                <a:latin typeface="Söhne"/>
+              </a:rPr>
+              <a:t>height</a:t>
+            </a:r>
+            <a:r>
+              <a:rPr lang="de-DE" b="0" i="0" dirty="0">
+                <a:solidFill>
+                  <a:srgbClr val="D1D5DB"/>
+                </a:solidFill>
+                <a:effectLst/>
+                <a:latin typeface="Söhne"/>
+              </a:rPr>
+              <a:t> (Höhe): Mit diesem Attribut kannst du die Höhe des </a:t>
+            </a:r>
+            <a:r>
+              <a:rPr lang="de-DE" b="0" i="0" dirty="0" err="1">
+                <a:solidFill>
+                  <a:srgbClr val="D1D5DB"/>
+                </a:solidFill>
+                <a:effectLst/>
+                <a:latin typeface="Söhne"/>
+              </a:rPr>
+              <a:t>Iframes</a:t>
+            </a:r>
+            <a:r>
+              <a:rPr lang="de-DE" b="0" i="0" dirty="0">
+                <a:solidFill>
+                  <a:srgbClr val="D1D5DB"/>
+                </a:solidFill>
+                <a:effectLst/>
+                <a:latin typeface="Söhne"/>
+              </a:rPr>
+              <a:t> in Pixeln oder Prozent angeben. Zum Beispiel: </a:t>
+            </a:r>
+            <a:r>
+              <a:rPr lang="de-DE" b="0" i="0" dirty="0" err="1">
+                <a:solidFill>
+                  <a:srgbClr val="D1D5DB"/>
+                </a:solidFill>
+                <a:effectLst/>
+                <a:latin typeface="Söhne"/>
+              </a:rPr>
+              <a:t>height</a:t>
+            </a:r>
+            <a:r>
+              <a:rPr lang="de-DE" b="0" i="0" dirty="0">
+                <a:solidFill>
+                  <a:srgbClr val="D1D5DB"/>
+                </a:solidFill>
+                <a:effectLst/>
+                <a:latin typeface="Söhne"/>
+              </a:rPr>
+              <a:t>="300" oder </a:t>
+            </a:r>
+            <a:r>
+              <a:rPr lang="de-DE" b="0" i="0" dirty="0" err="1">
+                <a:solidFill>
+                  <a:srgbClr val="D1D5DB"/>
+                </a:solidFill>
+                <a:effectLst/>
+                <a:latin typeface="Söhne"/>
+              </a:rPr>
+              <a:t>height</a:t>
+            </a:r>
+            <a:r>
+              <a:rPr lang="de-DE" b="0" i="0" dirty="0">
+                <a:solidFill>
+                  <a:srgbClr val="D1D5DB"/>
+                </a:solidFill>
+                <a:effectLst/>
+                <a:latin typeface="Söhne"/>
+              </a:rPr>
+              <a:t>="75%".</a:t>
+            </a:r>
+          </a:p>
+          <a:p>
+            <a:pPr algn="l">
+              <a:buFont typeface="Arial" panose="020B0604020202020204" pitchFamily="34" charset="0"/>
+              <a:buChar char="•"/>
+            </a:pPr>
+            <a:r>
+              <a:rPr lang="de-DE" b="0" i="0" dirty="0" err="1">
+                <a:solidFill>
+                  <a:srgbClr val="D1D5DB"/>
+                </a:solidFill>
+                <a:effectLst/>
+                <a:latin typeface="Söhne"/>
+              </a:rPr>
+              <a:t>frameborder</a:t>
+            </a:r>
+            <a:r>
+              <a:rPr lang="de-DE" b="0" i="0" dirty="0">
+                <a:solidFill>
+                  <a:srgbClr val="D1D5DB"/>
+                </a:solidFill>
+                <a:effectLst/>
+                <a:latin typeface="Söhne"/>
+              </a:rPr>
+              <a:t> (Rahmen): Dieses Attribut legt fest, ob ein Rahmen um den </a:t>
+            </a:r>
+            <a:r>
+              <a:rPr lang="de-DE" b="0" i="0" dirty="0" err="1">
+                <a:solidFill>
+                  <a:srgbClr val="D1D5DB"/>
+                </a:solidFill>
+                <a:effectLst/>
+                <a:latin typeface="Söhne"/>
+              </a:rPr>
+              <a:t>Iframe</a:t>
+            </a:r>
+            <a:r>
+              <a:rPr lang="de-DE" b="0" i="0" dirty="0">
+                <a:solidFill>
+                  <a:srgbClr val="D1D5DB"/>
+                </a:solidFill>
+                <a:effectLst/>
+                <a:latin typeface="Söhne"/>
+              </a:rPr>
+              <a:t> angezeigt wird oder nicht. Ein Wert von 0 entfernt den Rahmen, während 1 einen Rahmen anzeigen würde. Beispiel: </a:t>
+            </a:r>
+            <a:r>
+              <a:rPr lang="de-DE" b="0" i="0" dirty="0" err="1">
+                <a:solidFill>
+                  <a:srgbClr val="D1D5DB"/>
+                </a:solidFill>
+                <a:effectLst/>
+                <a:latin typeface="Söhne"/>
+              </a:rPr>
+              <a:t>frameborder</a:t>
+            </a:r>
+            <a:r>
+              <a:rPr lang="de-DE" b="0" i="0" dirty="0">
+                <a:solidFill>
+                  <a:srgbClr val="D1D5DB"/>
+                </a:solidFill>
+                <a:effectLst/>
+                <a:latin typeface="Söhne"/>
+              </a:rPr>
+              <a:t>="0".</a:t>
+            </a:r>
+          </a:p>
+          <a:p>
+            <a:pPr algn="l">
+              <a:buFont typeface="Arial" panose="020B0604020202020204" pitchFamily="34" charset="0"/>
+              <a:buChar char="•"/>
+            </a:pPr>
+            <a:r>
+              <a:rPr lang="de-DE" b="0" i="0" dirty="0" err="1">
+                <a:solidFill>
+                  <a:srgbClr val="D1D5DB"/>
+                </a:solidFill>
+                <a:effectLst/>
+                <a:latin typeface="Söhne"/>
+              </a:rPr>
+              <a:t>allowfullscreen</a:t>
+            </a:r>
+            <a:r>
+              <a:rPr lang="de-DE" b="0" i="0" dirty="0">
+                <a:solidFill>
+                  <a:srgbClr val="D1D5DB"/>
+                </a:solidFill>
+                <a:effectLst/>
+                <a:latin typeface="Söhne"/>
+              </a:rPr>
+              <a:t>: Dieses Attribut ermöglicht es, dass der Inhalt des </a:t>
+            </a:r>
+            <a:r>
+              <a:rPr lang="de-DE" b="0" i="0" dirty="0" err="1">
+                <a:solidFill>
+                  <a:srgbClr val="D1D5DB"/>
+                </a:solidFill>
+                <a:effectLst/>
+                <a:latin typeface="Söhne"/>
+              </a:rPr>
+              <a:t>Iframes</a:t>
+            </a:r>
+            <a:r>
+              <a:rPr lang="de-DE" b="0" i="0" dirty="0">
+                <a:solidFill>
+                  <a:srgbClr val="D1D5DB"/>
+                </a:solidFill>
+                <a:effectLst/>
+                <a:latin typeface="Söhne"/>
+              </a:rPr>
+              <a:t> im Vollbildmodus angezeigt werden kann. Es wird normalerweise verwendet, wenn du Videos einbetten möchtest, die im Vollbildmodus abgespielt werden sollen.</a:t>
+            </a:r>
+          </a:p>
+          <a:p>
+            <a:endParaRPr lang="de-CH" dirty="0"/>
+          </a:p>
+        </p:txBody>
+      </p:sp>
+      <p:sp>
+        <p:nvSpPr>
+          <p:cNvPr id="4" name="Foliennummernplatzhalter 3"/>
+          <p:cNvSpPr>
+            <a:spLocks noGrp="1"/>
+          </p:cNvSpPr>
+          <p:nvPr>
+            <p:ph type="sldNum" sz="quarter" idx="5"/>
+          </p:nvPr>
+        </p:nvSpPr>
+        <p:spPr/>
+        <p:txBody>
+          <a:bodyPr/>
+          <a:lstStyle/>
+          <a:p>
+            <a:fld id="{9AF96A84-68B0-49C9-AD14-99963EF82DD5}" type="slidenum">
+              <a:rPr lang="de-CH" smtClean="0"/>
+              <a:t>6</a:t>
+            </a:fld>
+            <a:endParaRPr lang="de-CH"/>
+          </a:p>
+        </p:txBody>
+      </p:sp>
+    </p:spTree>
+    <p:extLst>
+      <p:ext uri="{BB962C8B-B14F-4D97-AF65-F5344CB8AC3E}">
+        <p14:creationId xmlns:p14="http://schemas.microsoft.com/office/powerpoint/2010/main" val="2666488213"/>
+      </p:ext>
+    </p:extLst>
+  </p:cSld>
+  <p:clrMapOvr>
+    <a:masterClrMapping/>
+  </p:clrMapOvr>
+</p:notes>
 </file>
 
 <file path=ppt/slideLayouts/slideLayout1.xml><?xml version="1.0" encoding="utf-8"?>
@@ -629,7 +1468,7 @@
           <a:p>
             <a:fld id="{91669CE1-787D-46F4-9881-A6E91A83B2B8}" type="datetimeFigureOut">
               <a:rPr lang="de-CH" smtClean="0"/>
-              <a:t>13.06.2023</a:t>
+              <a:t>18.06.2023</a:t>
             </a:fld>
             <a:endParaRPr lang="de-CH"/>
           </a:p>
@@ -829,7 +1668,7 @@
           <a:p>
             <a:fld id="{91669CE1-787D-46F4-9881-A6E91A83B2B8}" type="datetimeFigureOut">
               <a:rPr lang="de-CH" smtClean="0"/>
-              <a:t>13.06.2023</a:t>
+              <a:t>18.06.2023</a:t>
             </a:fld>
             <a:endParaRPr lang="de-CH"/>
           </a:p>
@@ -1039,7 +1878,7 @@
           <a:p>
             <a:fld id="{91669CE1-787D-46F4-9881-A6E91A83B2B8}" type="datetimeFigureOut">
               <a:rPr lang="de-CH" smtClean="0"/>
-              <a:t>13.06.2023</a:t>
+              <a:t>18.06.2023</a:t>
             </a:fld>
             <a:endParaRPr lang="de-CH"/>
           </a:p>
@@ -1239,7 +2078,7 @@
           <a:p>
             <a:fld id="{91669CE1-787D-46F4-9881-A6E91A83B2B8}" type="datetimeFigureOut">
               <a:rPr lang="de-CH" smtClean="0"/>
-              <a:t>13.06.2023</a:t>
+              <a:t>18.06.2023</a:t>
             </a:fld>
             <a:endParaRPr lang="de-CH"/>
           </a:p>
@@ -1515,7 +2354,7 @@
           <a:p>
             <a:fld id="{91669CE1-787D-46F4-9881-A6E91A83B2B8}" type="datetimeFigureOut">
               <a:rPr lang="de-CH" smtClean="0"/>
-              <a:t>13.06.2023</a:t>
+              <a:t>18.06.2023</a:t>
             </a:fld>
             <a:endParaRPr lang="de-CH"/>
           </a:p>
@@ -1783,7 +2622,7 @@
           <a:p>
             <a:fld id="{91669CE1-787D-46F4-9881-A6E91A83B2B8}" type="datetimeFigureOut">
               <a:rPr lang="de-CH" smtClean="0"/>
-              <a:t>13.06.2023</a:t>
+              <a:t>18.06.2023</a:t>
             </a:fld>
             <a:endParaRPr lang="de-CH"/>
           </a:p>
@@ -2198,7 +3037,7 @@
           <a:p>
             <a:fld id="{91669CE1-787D-46F4-9881-A6E91A83B2B8}" type="datetimeFigureOut">
               <a:rPr lang="de-CH" smtClean="0"/>
-              <a:t>13.06.2023</a:t>
+              <a:t>18.06.2023</a:t>
             </a:fld>
             <a:endParaRPr lang="de-CH"/>
           </a:p>
@@ -2340,7 +3179,7 @@
           <a:p>
             <a:fld id="{91669CE1-787D-46F4-9881-A6E91A83B2B8}" type="datetimeFigureOut">
               <a:rPr lang="de-CH" smtClean="0"/>
-              <a:t>13.06.2023</a:t>
+              <a:t>18.06.2023</a:t>
             </a:fld>
             <a:endParaRPr lang="de-CH"/>
           </a:p>
@@ -2453,7 +3292,7 @@
           <a:p>
             <a:fld id="{91669CE1-787D-46F4-9881-A6E91A83B2B8}" type="datetimeFigureOut">
               <a:rPr lang="de-CH" smtClean="0"/>
-              <a:t>13.06.2023</a:t>
+              <a:t>18.06.2023</a:t>
             </a:fld>
             <a:endParaRPr lang="de-CH"/>
           </a:p>
@@ -2766,7 +3605,7 @@
           <a:p>
             <a:fld id="{91669CE1-787D-46F4-9881-A6E91A83B2B8}" type="datetimeFigureOut">
               <a:rPr lang="de-CH" smtClean="0"/>
-              <a:t>13.06.2023</a:t>
+              <a:t>18.06.2023</a:t>
             </a:fld>
             <a:endParaRPr lang="de-CH"/>
           </a:p>
@@ -3055,7 +3894,7 @@
           <a:p>
             <a:fld id="{91669CE1-787D-46F4-9881-A6E91A83B2B8}" type="datetimeFigureOut">
               <a:rPr lang="de-CH" smtClean="0"/>
-              <a:t>13.06.2023</a:t>
+              <a:t>18.06.2023</a:t>
             </a:fld>
             <a:endParaRPr lang="de-CH"/>
           </a:p>
@@ -3298,7 +4137,7 @@
           <a:p>
             <a:fld id="{91669CE1-787D-46F4-9881-A6E91A83B2B8}" type="datetimeFigureOut">
               <a:rPr lang="de-CH" smtClean="0"/>
-              <a:t>13.06.2023</a:t>
+              <a:t>18.06.2023</a:t>
             </a:fld>
             <a:endParaRPr lang="de-CH"/>
           </a:p>
@@ -3838,7 +4677,31 @@
                   </a:outerShdw>
                 </a:effectLst>
               </a:rPr>
-              <a:t>Was sind sie und wie werden sie verwendet?</a:t>
+              <a:t>Und wie man damit </a:t>
+            </a:r>
+            <a:r>
+              <a:rPr lang="de-CH" b="1" dirty="0" err="1">
+                <a:effectLst>
+                  <a:outerShdw blurRad="38100" dist="38100" dir="2700000" algn="tl">
+                    <a:srgbClr val="000000">
+                      <a:alpha val="43137"/>
+                    </a:srgbClr>
+                  </a:outerShdw>
+                </a:effectLst>
+              </a:rPr>
+              <a:t>Darkmode</a:t>
+            </a:r>
+            <a:r>
+              <a:rPr lang="de-CH" b="1" dirty="0">
+                <a:effectLst>
+                  <a:outerShdw blurRad="38100" dist="38100" dir="2700000" algn="tl">
+                    <a:srgbClr val="000000">
+                      <a:alpha val="43137"/>
+                    </a:srgbClr>
+                  </a:outerShdw>
+                </a:effectLst>
+              </a:rPr>
+              <a:t> erstellt:</a:t>
             </a:r>
           </a:p>
         </p:txBody>
@@ -3943,16 +4806,20 @@
         </p:nvSpPr>
         <p:spPr>
           <a:xfrm>
-            <a:off x="838200" y="965200"/>
-            <a:ext cx="10515600" cy="584200"/>
+            <a:off x="838200" y="2090271"/>
+            <a:ext cx="10515600" cy="3275106"/>
           </a:xfrm>
         </p:spPr>
         <p:txBody>
-          <a:bodyPr/>
+          <a:bodyPr>
+            <a:normAutofit/>
+          </a:bodyPr>
           <a:lstStyle/>
           <a:p>
-            <a:pPr marL="0" indent="0">
-              <a:buNone/>
+            <a:pPr>
+              <a:buBlip>
+                <a:blip r:embed="rId4"/>
+              </a:buBlip>
             </a:pPr>
             <a:r>
               <a:rPr lang="de-CH" dirty="0">
@@ -3960,8 +4827,100 @@
                   <a:schemeClr val="bg1"/>
                 </a:solidFill>
               </a:rPr>
-              <a:t>Inhalt</a:t>
-            </a:r>
+              <a:t>Was sind </a:t>
+            </a:r>
+            <a:r>
+              <a:rPr lang="de-CH" dirty="0" err="1">
+                <a:solidFill>
+                  <a:schemeClr val="bg1"/>
+                </a:solidFill>
+              </a:rPr>
+              <a:t>Iframes</a:t>
+            </a:r>
+            <a:endParaRPr lang="de-CH" dirty="0">
+              <a:solidFill>
+                <a:schemeClr val="bg1"/>
+              </a:solidFill>
+            </a:endParaRPr>
+          </a:p>
+          <a:p>
+            <a:pPr>
+              <a:buBlip>
+                <a:blip r:embed="rId4"/>
+              </a:buBlip>
+            </a:pPr>
+            <a:r>
+              <a:rPr lang="de-CH" dirty="0">
+                <a:solidFill>
+                  <a:schemeClr val="bg1"/>
+                </a:solidFill>
+              </a:rPr>
+              <a:t>Syntax und Attribute von </a:t>
+            </a:r>
+            <a:r>
+              <a:rPr lang="de-CH" dirty="0" err="1">
+                <a:solidFill>
+                  <a:schemeClr val="bg1"/>
+                </a:solidFill>
+              </a:rPr>
+              <a:t>Iframes</a:t>
+            </a:r>
+            <a:endParaRPr lang="de-CH" dirty="0">
+              <a:solidFill>
+                <a:schemeClr val="bg1"/>
+              </a:solidFill>
+            </a:endParaRPr>
+          </a:p>
+          <a:p>
+            <a:pPr>
+              <a:buBlip>
+                <a:blip r:embed="rId4"/>
+              </a:buBlip>
+            </a:pPr>
+            <a:r>
+              <a:rPr lang="de-CH" dirty="0">
+                <a:solidFill>
+                  <a:schemeClr val="bg1"/>
+                </a:solidFill>
+              </a:rPr>
+              <a:t>Beispiele der Verwendung</a:t>
+            </a:r>
+          </a:p>
+          <a:p>
+            <a:pPr>
+              <a:buBlip>
+                <a:blip r:embed="rId4"/>
+              </a:buBlip>
+            </a:pPr>
+            <a:r>
+              <a:rPr lang="de-CH" dirty="0" err="1">
+                <a:solidFill>
+                  <a:schemeClr val="bg1"/>
+                </a:solidFill>
+              </a:rPr>
+              <a:t>Darkmode</a:t>
+            </a:r>
+            <a:r>
+              <a:rPr lang="de-CH" dirty="0">
+                <a:solidFill>
+                  <a:schemeClr val="bg1"/>
+                </a:solidFill>
+              </a:rPr>
+              <a:t> &amp; </a:t>
+            </a:r>
+            <a:r>
+              <a:rPr lang="de-CH" dirty="0" err="1">
+                <a:solidFill>
+                  <a:schemeClr val="bg1"/>
+                </a:solidFill>
+              </a:rPr>
+              <a:t>Iframes</a:t>
+            </a:r>
+            <a:endParaRPr lang="de-CH" dirty="0">
+              <a:solidFill>
+                <a:schemeClr val="bg1"/>
+              </a:solidFill>
+            </a:endParaRPr>
           </a:p>
         </p:txBody>
       </p:sp>
@@ -4027,11 +4986,11 @@
           <p:nvPr/>
         </p:nvPicPr>
         <p:blipFill rotWithShape="1">
-          <a:blip r:embed="rId4">
+          <a:blip r:embed="rId5">
             <a:extLst>
               <a:ext uri="{BEBA8EAE-BF5A-486C-A8C5-ECC9F3942E4B}">
                 <a14:imgProps xmlns:a14="http://schemas.microsoft.com/office/drawing/2010/main">
-                  <a14:imgLayer r:embed="rId5">
+                  <a14:imgLayer r:embed="rId6">
                     <a14:imgEffect>
                       <a14:sharpenSoften amount="-100000"/>
                     </a14:imgEffect>
@@ -4066,6 +5025,82 @@
           </a:extLst>
         </p:spPr>
       </p:pic>
+      <p:sp>
+        <p:nvSpPr>
+          <p:cNvPr id="2" name="TextBox 1">
+            <a:extLst>
+              <a:ext uri="{FF2B5EF4-FFF2-40B4-BE49-F238E27FC236}">
+                <a16:creationId xmlns:a16="http://schemas.microsoft.com/office/drawing/2014/main" id="{56734768-F6E8-C507-3297-79455E58CB9E}"/>
+              </a:ext>
+            </a:extLst>
+          </p:cNvPr>
+          <p:cNvSpPr txBox="1"/>
+          <p:nvPr/>
+        </p:nvSpPr>
+        <p:spPr>
+          <a:xfrm>
+            <a:off x="5638800" y="6194612"/>
+            <a:ext cx="914400" cy="914400"/>
+          </a:xfrm>
+          <a:prstGeom prst="rect">
+            <a:avLst/>
+          </a:prstGeom>
+          <a:noFill/>
+        </p:spPr>
+        <p:txBody>
+          <a:bodyPr wrap="square" rtlCol="0">
+            <a:spAutoFit/>
+          </a:bodyPr>
+          <a:lstStyle/>
+          <a:p>
+            <a:endParaRPr lang="LID4096" dirty="0"/>
+          </a:p>
+        </p:txBody>
+      </p:sp>
+      <p:sp>
+        <p:nvSpPr>
+          <p:cNvPr id="4" name="TextBox 3">
+            <a:extLst>
+              <a:ext uri="{FF2B5EF4-FFF2-40B4-BE49-F238E27FC236}">
+                <a16:creationId xmlns:a16="http://schemas.microsoft.com/office/drawing/2014/main" id="{3BD192E9-CA63-9EBD-B90E-618B42755065}"/>
+              </a:ext>
+            </a:extLst>
+          </p:cNvPr>
+          <p:cNvSpPr txBox="1"/>
+          <p:nvPr/>
+        </p:nvSpPr>
+        <p:spPr>
+          <a:xfrm>
+            <a:off x="838200" y="1070707"/>
+            <a:ext cx="4867836" cy="584775"/>
+          </a:xfrm>
+          <a:prstGeom prst="rect">
+            <a:avLst/>
+          </a:prstGeom>
+          <a:noFill/>
+        </p:spPr>
+        <p:txBody>
+          <a:bodyPr wrap="square" rtlCol="0">
+            <a:spAutoFit/>
+          </a:bodyPr>
+          <a:lstStyle/>
+          <a:p>
+            <a:r>
+              <a:rPr lang="de-CH" sz="3200" b="1" dirty="0">
+                <a:solidFill>
+                  <a:schemeClr val="bg1"/>
+                </a:solidFill>
+              </a:rPr>
+              <a:t>Inhalt:</a:t>
+            </a:r>
+            <a:endParaRPr lang="LID4096" sz="3200" b="1" dirty="0">
+              <a:solidFill>
+                <a:schemeClr val="bg1"/>
+              </a:solidFill>
+            </a:endParaRPr>
+          </a:p>
+        </p:txBody>
+      </p:sp>
     </p:spTree>
     <p:extLst>
       <p:ext uri="{BB962C8B-B14F-4D97-AF65-F5344CB8AC3E}">
@@ -4076,13 +5111,13 @@
   <p:clrMapOvr>
     <a:masterClrMapping/>
   </p:clrMapOvr>
-  <mc:AlternateContent xmlns:mc="http://schemas.openxmlformats.org/markup-compatibility/2006">
-    <mc:Choice xmlns:p159="http://schemas.microsoft.com/office/powerpoint/2015/09/main" Requires="p159">
+  <mc:AlternateContent xmlns:mc="http://schemas.openxmlformats.org/markup-compatibility/2006" xmlns:p159="http://schemas.microsoft.com/office/powerpoint/2015/09/main">
+    <mc:Choice Requires="p159">
       <p:transition xmlns:p14="http://schemas.microsoft.com/office/powerpoint/2010/main" spd="slow" p14:dur="2000">
         <p159:morph option="byObject"/>
       </p:transition>
     </mc:Choice>
-    <mc:Fallback>
+    <mc:Fallback xmlns="">
       <p:transition spd="slow">
         <p:fade/>
       </p:transition>
@@ -4226,96 +5261,69 @@
         <p:spPr/>
         <p:txBody>
           <a:bodyPr>
-            <a:normAutofit fontScale="77500" lnSpcReduction="20000"/>
+            <a:normAutofit/>
           </a:bodyPr>
           <a:lstStyle/>
           <a:p>
+            <a:r>
+              <a:rPr lang="de-DE" dirty="0">
+                <a:latin typeface="Cascadia Code" panose="020B0609020000020004" pitchFamily="49" charset="0"/>
+                <a:cs typeface="Cascadia Code" panose="020B0609020000020004" pitchFamily="49" charset="0"/>
+              </a:rPr>
+              <a:t>HTML-Elemente </a:t>
+            </a:r>
+          </a:p>
+          <a:p>
+            <a:r>
+              <a:rPr lang="de-DE" dirty="0">
+                <a:latin typeface="Cascadia Code" panose="020B0609020000020004" pitchFamily="49" charset="0"/>
+                <a:cs typeface="Cascadia Code" panose="020B0609020000020004" pitchFamily="49" charset="0"/>
+              </a:rPr>
+              <a:t>Dienen zur Einbettung von Inhalten</a:t>
+            </a:r>
+          </a:p>
+          <a:p>
+            <a:r>
+              <a:rPr lang="de-DE" dirty="0">
+                <a:latin typeface="Cascadia Code" panose="020B0609020000020004" pitchFamily="49" charset="0"/>
+                <a:cs typeface="Cascadia Code" panose="020B0609020000020004" pitchFamily="49" charset="0"/>
+              </a:rPr>
+              <a:t>Nahtlose </a:t>
+            </a:r>
             <a:r>
               <a:rPr lang="de-DE" dirty="0" err="1">
                 <a:latin typeface="Cascadia Code" panose="020B0609020000020004" pitchFamily="49" charset="0"/>
                 <a:cs typeface="Cascadia Code" panose="020B0609020000020004" pitchFamily="49" charset="0"/>
               </a:rPr>
-              <a:t>IFrames</a:t>
+              <a:t>einbindung</a:t>
             </a:r>
             <a:r>
               <a:rPr lang="de-DE" dirty="0">
                 <a:latin typeface="Cascadia Code" panose="020B0609020000020004" pitchFamily="49" charset="0"/>
                 <a:cs typeface="Cascadia Code" panose="020B0609020000020004" pitchFamily="49" charset="0"/>
               </a:rPr>
-              <a:t> sind HTML-Elemente zur Einbettung von Inhalten in eine Webseite.</a:t>
-            </a:r>
-          </a:p>
-          <a:p>
+              <a:t> von:</a:t>
+            </a:r>
+          </a:p>
+          <a:p>
+            <a:pPr lvl="1"/>
             <a:r>
               <a:rPr lang="de-DE" dirty="0">
                 <a:latin typeface="Cascadia Code" panose="020B0609020000020004" pitchFamily="49" charset="0"/>
                 <a:cs typeface="Cascadia Code" panose="020B0609020000020004" pitchFamily="49" charset="0"/>
               </a:rPr>
-              <a:t>Sie ermöglichen die nahtlose Einbindung von Webseiten, Videos, Karten und Dokumenten.</a:t>
-            </a:r>
-          </a:p>
-          <a:p>
-            <a:r>
-              <a:rPr lang="de-DE" dirty="0" err="1">
-                <a:latin typeface="Cascadia Code" panose="020B0609020000020004" pitchFamily="49" charset="0"/>
-                <a:cs typeface="Cascadia Code" panose="020B0609020000020004" pitchFamily="49" charset="0"/>
-              </a:rPr>
-              <a:t>IFrames</a:t>
-            </a:r>
+              <a:t>Webseiten</a:t>
+            </a:r>
+          </a:p>
+          <a:p>
+            <a:pPr lvl="1"/>
             <a:r>
               <a:rPr lang="de-DE" dirty="0">
                 <a:latin typeface="Cascadia Code" panose="020B0609020000020004" pitchFamily="49" charset="0"/>
                 <a:cs typeface="Cascadia Code" panose="020B0609020000020004" pitchFamily="49" charset="0"/>
               </a:rPr>
-              <a:t> sind unabhängig vom umgebenden HTML-Dokument und skalierbar.</a:t>
-            </a:r>
-          </a:p>
-          <a:p>
-            <a:r>
-              <a:rPr lang="de-DE" dirty="0">
-                <a:latin typeface="Cascadia Code" panose="020B0609020000020004" pitchFamily="49" charset="0"/>
-                <a:cs typeface="Cascadia Code" panose="020B0609020000020004" pitchFamily="49" charset="0"/>
-              </a:rPr>
-              <a:t>Sie können Inhalte von anderen Domains einbinden, haben aber Sicherheitsmechanismen gegen Cross-Domain-Angriffe.</a:t>
-            </a:r>
-          </a:p>
-          <a:p>
-            <a:r>
-              <a:rPr lang="de-DE" dirty="0">
-                <a:latin typeface="Cascadia Code" panose="020B0609020000020004" pitchFamily="49" charset="0"/>
-                <a:cs typeface="Cascadia Code" panose="020B0609020000020004" pitchFamily="49" charset="0"/>
-              </a:rPr>
-              <a:t>Benutzer können mit dem eingebetteten Inhalt interagieren.</a:t>
-            </a:r>
-          </a:p>
-          <a:p>
-            <a:r>
-              <a:rPr lang="de-DE" dirty="0" err="1">
-                <a:latin typeface="Cascadia Code" panose="020B0609020000020004" pitchFamily="49" charset="0"/>
-                <a:cs typeface="Cascadia Code" panose="020B0609020000020004" pitchFamily="49" charset="0"/>
-              </a:rPr>
-              <a:t>IFrames</a:t>
-            </a:r>
-            <a:r>
-              <a:rPr lang="de-DE" dirty="0">
-                <a:latin typeface="Cascadia Code" panose="020B0609020000020004" pitchFamily="49" charset="0"/>
-                <a:cs typeface="Cascadia Code" panose="020B0609020000020004" pitchFamily="49" charset="0"/>
-              </a:rPr>
-              <a:t> können gestaltet und positioniert werden.</a:t>
-            </a:r>
-          </a:p>
-          <a:p>
-            <a:r>
-              <a:rPr lang="de-DE" dirty="0">
-                <a:latin typeface="Cascadia Code" panose="020B0609020000020004" pitchFamily="49" charset="0"/>
-                <a:cs typeface="Cascadia Code" panose="020B0609020000020004" pitchFamily="49" charset="0"/>
-              </a:rPr>
-              <a:t>Sie bieten Vorteile wie modulare Einbettung und einfache Aktualisierung, aber auch potenzielle Sicherheits- und Performanceprobleme.</a:t>
-            </a:r>
-            <a:endParaRPr lang="de-CH" dirty="0">
-              <a:latin typeface="Cascadia Code" panose="020B0609020000020004" pitchFamily="49" charset="0"/>
-              <a:cs typeface="Cascadia Code" panose="020B0609020000020004" pitchFamily="49" charset="0"/>
-            </a:endParaRPr>
+              <a:t>Multimedia wie Bilder etc.</a:t>
+            </a:r>
           </a:p>
         </p:txBody>
       </p:sp>
@@ -4354,60 +5362,6 @@
         <p:spPr bwMode="auto">
           <a:xfrm>
             <a:off x="0" y="-6858000"/>
-            <a:ext cx="12192000" cy="6858000"/>
-          </a:xfrm>
-          <a:prstGeom prst="rect">
-            <a:avLst/>
-          </a:prstGeom>
-          <a:noFill/>
-          <a:extLst>
-            <a:ext uri="{909E8E84-426E-40DD-AFC4-6F175D3DCCD1}">
-              <a14:hiddenFill xmlns:a14="http://schemas.microsoft.com/office/drawing/2010/main">
-                <a:solidFill>
-                  <a:srgbClr val="FFFFFF"/>
-                </a:solidFill>
-              </a14:hiddenFill>
-            </a:ext>
-          </a:extLst>
-        </p:spPr>
-      </p:pic>
-      <p:pic>
-        <p:nvPicPr>
-          <p:cNvPr id="6" name="Picture 2" descr="What Is an iFrame? (Inline Frame Definition, Examples) | Built In">
-            <a:extLst>
-              <a:ext uri="{FF2B5EF4-FFF2-40B4-BE49-F238E27FC236}">
-                <a16:creationId xmlns:a16="http://schemas.microsoft.com/office/drawing/2014/main" id="{85A98DCD-6145-4105-6A81-C722E36CBCC8}"/>
-              </a:ext>
-            </a:extLst>
-          </p:cNvPr>
-          <p:cNvPicPr>
-            <a:picLocks noChangeAspect="1" noChangeArrowheads="1"/>
-          </p:cNvPicPr>
-          <p:nvPr/>
-        </p:nvPicPr>
-        <p:blipFill rotWithShape="1">
-          <a:blip r:embed="rId6">
-            <a:extLst>
-              <a:ext uri="{BEBA8EAE-BF5A-486C-A8C5-ECC9F3942E4B}">
-                <a14:imgProps xmlns:a14="http://schemas.microsoft.com/office/drawing/2010/main">
-                  <a14:imgLayer r:embed="rId7">
-                    <a14:imgEffect>
-                      <a14:sharpenSoften amount="-53000"/>
-                    </a14:imgEffect>
-                  </a14:imgLayer>
-                </a14:imgProps>
-              </a:ext>
-              <a:ext uri="{28A0092B-C50C-407E-A947-70E740481C1C}">
-                <a14:useLocalDpi xmlns:a14="http://schemas.microsoft.com/office/drawing/2010/main" val="0"/>
-              </a:ext>
-            </a:extLst>
-          </a:blip>
-          <a:srcRect l="3333" r="3333"/>
-          <a:stretch/>
-        </p:blipFill>
-        <p:spPr bwMode="auto">
-          <a:xfrm>
-            <a:off x="0" y="6858000"/>
             <a:ext cx="12192000" cy="6858000"/>
           </a:xfrm>
           <a:prstGeom prst="rect">
@@ -4457,15 +5411,15 @@
       </p:grpSpPr>
       <p:pic>
         <p:nvPicPr>
-          <p:cNvPr id="2050" name="Picture 2" descr="What Is an iFrame? (Inline Frame Definition, Examples) | Built In">
-            <a:extLst>
-              <a:ext uri="{FF2B5EF4-FFF2-40B4-BE49-F238E27FC236}">
-                <a16:creationId xmlns:a16="http://schemas.microsoft.com/office/drawing/2014/main" id="{21853EF7-1736-6CE7-C013-F44E52FEBF85}"/>
+          <p:cNvPr id="4" name="Picture 6" descr="How to programmatically create iFrame in ASP.NET - Nile Bits">
+            <a:extLst>
+              <a:ext uri="{FF2B5EF4-FFF2-40B4-BE49-F238E27FC236}">
+                <a16:creationId xmlns:a16="http://schemas.microsoft.com/office/drawing/2014/main" id="{6E72F341-4AE3-E80F-CC50-79C2A2199F75}"/>
               </a:ext>
             </a:extLst>
           </p:cNvPr>
           <p:cNvPicPr>
-            <a:picLocks noChangeAspect="1" noChangeArrowheads="1"/>
+            <a:picLocks noGrp="1" noRot="1" noChangeAspect="1" noMove="1" noResize="1" noEditPoints="1" noAdjustHandles="1" noChangeArrowheads="1" noChangeShapeType="1" noCrop="1"/>
           </p:cNvPicPr>
           <p:nvPr/>
         </p:nvPicPr>
@@ -4476,7 +5430,7 @@
                 <a14:imgProps xmlns:a14="http://schemas.microsoft.com/office/drawing/2010/main">
                   <a14:imgLayer r:embed="rId3">
                     <a14:imgEffect>
-                      <a14:sharpenSoften amount="-53000"/>
+                      <a14:sharpenSoften amount="-100000"/>
                     </a14:imgEffect>
                   </a14:imgLayer>
                 </a14:imgProps>
@@ -4486,7 +5440,7 @@
               </a:ext>
             </a:extLst>
           </a:blip>
-          <a:srcRect l="3333" r="3333"/>
+          <a:srcRect l="3241" r="3263"/>
           <a:stretch/>
         </p:blipFill>
         <p:spPr bwMode="auto">
@@ -4514,7 +5468,7 @@
           <p:cNvPr id="2" name="Titel 1">
             <a:extLst>
               <a:ext uri="{FF2B5EF4-FFF2-40B4-BE49-F238E27FC236}">
-                <a16:creationId xmlns:a16="http://schemas.microsoft.com/office/drawing/2014/main" id="{7E54B5A0-EE3F-56AB-01F9-A92FCB9F9C5E}"/>
+                <a16:creationId xmlns:a16="http://schemas.microsoft.com/office/drawing/2014/main" id="{D6A0D668-B856-B583-B7FB-3BA0A3F4F2DD}"/>
               </a:ext>
             </a:extLst>
           </p:cNvPr>
@@ -4535,7 +5489,7 @@
                 <a:latin typeface="Cascadia Code" panose="020B0609020000020004" pitchFamily="49" charset="0"/>
                 <a:cs typeface="Cascadia Code" panose="020B0609020000020004" pitchFamily="49" charset="0"/>
               </a:rPr>
-              <a:t>Syntax und Attribute von </a:t>
+              <a:t>Was machen </a:t>
             </a:r>
             <a:r>
               <a:rPr lang="de-CH" dirty="0" err="1">
@@ -4544,10 +5498,13 @@
               </a:rPr>
               <a:t>Iframes</a:t>
             </a:r>
-            <a:endParaRPr lang="de-CH" dirty="0">
-              <a:latin typeface="Cascadia Code" panose="020B0609020000020004" pitchFamily="49" charset="0"/>
-              <a:cs typeface="Cascadia Code" panose="020B0609020000020004" pitchFamily="49" charset="0"/>
-            </a:endParaRPr>
+            <a:r>
+              <a:rPr lang="de-CH" dirty="0">
+                <a:latin typeface="Cascadia Code" panose="020B0609020000020004" pitchFamily="49" charset="0"/>
+                <a:cs typeface="Cascadia Code" panose="020B0609020000020004" pitchFamily="49" charset="0"/>
+              </a:rPr>
+              <a:t> aus?</a:t>
+            </a:r>
           </a:p>
         </p:txBody>
       </p:sp>
@@ -4556,7 +5513,7 @@
           <p:cNvPr id="3" name="Inhaltsplatzhalter 2">
             <a:extLst>
               <a:ext uri="{FF2B5EF4-FFF2-40B4-BE49-F238E27FC236}">
-                <a16:creationId xmlns:a16="http://schemas.microsoft.com/office/drawing/2014/main" id="{670FBFF1-3455-733B-1125-87DC68A8DC31}"/>
+                <a16:creationId xmlns:a16="http://schemas.microsoft.com/office/drawing/2014/main" id="{A2630839-998B-AE38-3246-172F933617DE}"/>
               </a:ext>
             </a:extLst>
           </p:cNvPr>
@@ -4569,22 +5526,51 @@
         </p:nvSpPr>
         <p:spPr/>
         <p:txBody>
-          <a:bodyPr/>
+          <a:bodyPr>
+            <a:normAutofit/>
+          </a:bodyPr>
           <a:lstStyle/>
           <a:p>
+            <a:r>
+              <a:rPr lang="de-DE" dirty="0" err="1">
+                <a:latin typeface="Cascadia Code" panose="020B0609020000020004" pitchFamily="49" charset="0"/>
+                <a:cs typeface="Cascadia Code" panose="020B0609020000020004" pitchFamily="49" charset="0"/>
+              </a:rPr>
+              <a:t>Unabhänging</a:t>
+            </a:r>
             <a:r>
               <a:rPr lang="de-DE" dirty="0">
                 <a:latin typeface="Cascadia Code" panose="020B0609020000020004" pitchFamily="49" charset="0"/>
                 <a:cs typeface="Cascadia Code" panose="020B0609020000020004" pitchFamily="49" charset="0"/>
               </a:rPr>
-              <a:t>Darstellung der grundlegenden Syntax für das Einbetten von </a:t>
-            </a:r>
+              <a:t> von umgebenden HTML-Dokument</a:t>
+            </a:r>
+          </a:p>
+          <a:p>
+            <a:r>
+              <a:rPr lang="de-DE" dirty="0">
+                <a:latin typeface="Cascadia Code" panose="020B0609020000020004" pitchFamily="49" charset="0"/>
+                <a:cs typeface="Cascadia Code" panose="020B0609020000020004" pitchFamily="49" charset="0"/>
+              </a:rPr>
+              <a:t>Skalierbar</a:t>
+            </a:r>
+          </a:p>
+          <a:p>
+            <a:r>
+              <a:rPr lang="de-DE" dirty="0">
+                <a:latin typeface="Cascadia Code" panose="020B0609020000020004" pitchFamily="49" charset="0"/>
+                <a:cs typeface="Cascadia Code" panose="020B0609020000020004" pitchFamily="49" charset="0"/>
+              </a:rPr>
+              <a:t>Inhalte von anderen Domains einbinden</a:t>
+            </a:r>
+          </a:p>
+          <a:p>
             <a:r>
               <a:rPr lang="de-DE" dirty="0" err="1">
                 <a:latin typeface="Cascadia Code" panose="020B0609020000020004" pitchFamily="49" charset="0"/>
                 <a:cs typeface="Cascadia Code" panose="020B0609020000020004" pitchFamily="49" charset="0"/>
               </a:rPr>
-              <a:t>Iframes</a:t>
+              <a:t>Interagierbar</a:t>
             </a:r>
             <a:endParaRPr lang="de-DE" dirty="0">
               <a:latin typeface="Cascadia Code" panose="020B0609020000020004" pitchFamily="49" charset="0"/>
@@ -4597,127 +5583,29 @@
                 <a:latin typeface="Cascadia Code" panose="020B0609020000020004" pitchFamily="49" charset="0"/>
                 <a:cs typeface="Cascadia Code" panose="020B0609020000020004" pitchFamily="49" charset="0"/>
               </a:rPr>
-              <a:t>Erklärung der wichtigsten Attribute wie </a:t>
+              <a:t>Sicherheitsmechanismen gegen </a:t>
             </a:r>
             <a:r>
               <a:rPr lang="de-DE" dirty="0" err="1">
                 <a:latin typeface="Cascadia Code" panose="020B0609020000020004" pitchFamily="49" charset="0"/>
                 <a:cs typeface="Cascadia Code" panose="020B0609020000020004" pitchFamily="49" charset="0"/>
               </a:rPr>
-              <a:t>src</a:t>
+              <a:t>Crossdomain</a:t>
             </a:r>
             <a:r>
               <a:rPr lang="de-DE" dirty="0">
                 <a:latin typeface="Cascadia Code" panose="020B0609020000020004" pitchFamily="49" charset="0"/>
                 <a:cs typeface="Cascadia Code" panose="020B0609020000020004" pitchFamily="49" charset="0"/>
               </a:rPr>
-              <a:t>, </a:t>
-            </a:r>
-            <a:r>
-              <a:rPr lang="de-DE" dirty="0" err="1">
-                <a:latin typeface="Cascadia Code" panose="020B0609020000020004" pitchFamily="49" charset="0"/>
-                <a:cs typeface="Cascadia Code" panose="020B0609020000020004" pitchFamily="49" charset="0"/>
-              </a:rPr>
-              <a:t>width</a:t>
-            </a:r>
-            <a:r>
-              <a:rPr lang="de-DE" dirty="0">
-                <a:latin typeface="Cascadia Code" panose="020B0609020000020004" pitchFamily="49" charset="0"/>
-                <a:cs typeface="Cascadia Code" panose="020B0609020000020004" pitchFamily="49" charset="0"/>
-              </a:rPr>
-              <a:t>, </a:t>
-            </a:r>
-            <a:r>
-              <a:rPr lang="de-DE" dirty="0" err="1">
-                <a:latin typeface="Cascadia Code" panose="020B0609020000020004" pitchFamily="49" charset="0"/>
-                <a:cs typeface="Cascadia Code" panose="020B0609020000020004" pitchFamily="49" charset="0"/>
-              </a:rPr>
-              <a:t>height</a:t>
-            </a:r>
-            <a:r>
-              <a:rPr lang="de-DE" dirty="0">
-                <a:latin typeface="Cascadia Code" panose="020B0609020000020004" pitchFamily="49" charset="0"/>
-                <a:cs typeface="Cascadia Code" panose="020B0609020000020004" pitchFamily="49" charset="0"/>
-              </a:rPr>
-              <a:t>, </a:t>
-            </a:r>
-            <a:r>
-              <a:rPr lang="de-DE" dirty="0" err="1">
-                <a:latin typeface="Cascadia Code" panose="020B0609020000020004" pitchFamily="49" charset="0"/>
-                <a:cs typeface="Cascadia Code" panose="020B0609020000020004" pitchFamily="49" charset="0"/>
-              </a:rPr>
-              <a:t>frameborder</a:t>
-            </a:r>
-            <a:r>
-              <a:rPr lang="de-DE" dirty="0">
-                <a:latin typeface="Cascadia Code" panose="020B0609020000020004" pitchFamily="49" charset="0"/>
-                <a:cs typeface="Cascadia Code" panose="020B0609020000020004" pitchFamily="49" charset="0"/>
-              </a:rPr>
-              <a:t> usw.</a:t>
-            </a:r>
-            <a:endParaRPr lang="de-CH" dirty="0">
-              <a:latin typeface="Cascadia Code" panose="020B0609020000020004" pitchFamily="49" charset="0"/>
-              <a:cs typeface="Cascadia Code" panose="020B0609020000020004" pitchFamily="49" charset="0"/>
-            </a:endParaRPr>
-          </a:p>
-        </p:txBody>
-      </p:sp>
-      <p:pic>
-        <p:nvPicPr>
-          <p:cNvPr id="6" name="Picture 6" descr="How to programmatically create iFrame in ASP.NET - Nile Bits">
-            <a:extLst>
-              <a:ext uri="{FF2B5EF4-FFF2-40B4-BE49-F238E27FC236}">
-                <a16:creationId xmlns:a16="http://schemas.microsoft.com/office/drawing/2014/main" id="{AFF45E41-94E9-80C0-6BB8-23A83FB6858F}"/>
-              </a:ext>
-            </a:extLst>
-          </p:cNvPr>
-          <p:cNvPicPr/>
-          <p:nvPr/>
-        </p:nvPicPr>
-        <p:blipFill rotWithShape="1">
-          <a:blip r:embed="rId4">
-            <a:extLst>
-              <a:ext uri="{BEBA8EAE-BF5A-486C-A8C5-ECC9F3942E4B}">
-                <a14:imgProps xmlns:a14="http://schemas.microsoft.com/office/drawing/2010/main">
-                  <a14:imgLayer r:embed="rId5">
-                    <a14:imgEffect>
-                      <a14:sharpenSoften amount="-100000"/>
-                    </a14:imgEffect>
-                  </a14:imgLayer>
-                </a14:imgProps>
-              </a:ext>
-              <a:ext uri="{28A0092B-C50C-407E-A947-70E740481C1C}">
-                <a14:useLocalDpi xmlns:a14="http://schemas.microsoft.com/office/drawing/2010/main" val="0"/>
-              </a:ext>
-            </a:extLst>
-          </a:blip>
-          <a:srcRect l="3241" r="3263"/>
-          <a:stretch/>
-        </p:blipFill>
-        <p:spPr bwMode="auto">
-          <a:xfrm>
-            <a:off x="0" y="-6858000"/>
-            <a:ext cx="12192000" cy="6858000"/>
-          </a:xfrm>
-          <a:prstGeom prst="rect">
-            <a:avLst/>
-          </a:prstGeom>
-          <a:noFill/>
-          <a:extLst>
-            <a:ext uri="{909E8E84-426E-40DD-AFC4-6F175D3DCCD1}">
-              <a14:hiddenFill xmlns:a14="http://schemas.microsoft.com/office/drawing/2010/main">
-                <a:solidFill>
-                  <a:srgbClr val="FFFFFF"/>
-                </a:solidFill>
-              </a14:hiddenFill>
-            </a:ext>
-          </a:extLst>
-        </p:spPr>
-      </p:pic>
+              <a:t>-Angriffe</a:t>
+            </a:r>
+          </a:p>
+        </p:txBody>
+      </p:sp>
     </p:spTree>
     <p:extLst>
       <p:ext uri="{BB962C8B-B14F-4D97-AF65-F5344CB8AC3E}">
-        <p14:creationId xmlns:p14="http://schemas.microsoft.com/office/powerpoint/2010/main" val="3983677239"/>
+        <p14:creationId xmlns:p14="http://schemas.microsoft.com/office/powerpoint/2010/main" val="2587800385"/>
       </p:ext>
     </p:extLst>
   </p:cSld>
@@ -4746,10 +5634,209 @@
       </p:grpSpPr>
       <p:pic>
         <p:nvPicPr>
-          <p:cNvPr id="2050" name="Picture 2" descr="What Is an iFrame? (Inline Frame Definition, Examples) | Built In">
-            <a:extLst>
-              <a:ext uri="{FF2B5EF4-FFF2-40B4-BE49-F238E27FC236}">
-                <a16:creationId xmlns:a16="http://schemas.microsoft.com/office/drawing/2014/main" id="{21853EF7-1736-6CE7-C013-F44E52FEBF85}"/>
+          <p:cNvPr id="4" name="Picture 6" descr="How to programmatically create iFrame in ASP.NET - Nile Bits">
+            <a:extLst>
+              <a:ext uri="{FF2B5EF4-FFF2-40B4-BE49-F238E27FC236}">
+                <a16:creationId xmlns:a16="http://schemas.microsoft.com/office/drawing/2014/main" id="{6E72F341-4AE3-E80F-CC50-79C2A2199F75}"/>
+              </a:ext>
+            </a:extLst>
+          </p:cNvPr>
+          <p:cNvPicPr>
+            <a:picLocks noGrp="1" noRot="1" noChangeAspect="1" noMove="1" noResize="1" noEditPoints="1" noAdjustHandles="1" noChangeArrowheads="1" noChangeShapeType="1" noCrop="1"/>
+          </p:cNvPicPr>
+          <p:nvPr/>
+        </p:nvPicPr>
+        <p:blipFill rotWithShape="1">
+          <a:blip r:embed="rId2">
+            <a:extLst>
+              <a:ext uri="{BEBA8EAE-BF5A-486C-A8C5-ECC9F3942E4B}">
+                <a14:imgProps xmlns:a14="http://schemas.microsoft.com/office/drawing/2010/main">
+                  <a14:imgLayer r:embed="rId3">
+                    <a14:imgEffect>
+                      <a14:sharpenSoften amount="-100000"/>
+                    </a14:imgEffect>
+                  </a14:imgLayer>
+                </a14:imgProps>
+              </a:ext>
+              <a:ext uri="{28A0092B-C50C-407E-A947-70E740481C1C}">
+                <a14:useLocalDpi xmlns:a14="http://schemas.microsoft.com/office/drawing/2010/main" val="0"/>
+              </a:ext>
+            </a:extLst>
+          </a:blip>
+          <a:srcRect l="3241" r="3263"/>
+          <a:stretch/>
+        </p:blipFill>
+        <p:spPr bwMode="auto">
+          <a:xfrm>
+            <a:off x="0" y="0"/>
+            <a:ext cx="12192000" cy="6858000"/>
+          </a:xfrm>
+          <a:prstGeom prst="rect">
+            <a:avLst/>
+          </a:prstGeom>
+          <a:noFill/>
+          <a:extLst>
+            <a:ext uri="{909E8E84-426E-40DD-AFC4-6F175D3DCCD1}">
+              <a14:hiddenFill xmlns:a14="http://schemas.microsoft.com/office/drawing/2010/main">
+                <a:solidFill>
+                  <a:srgbClr val="FFFFFF"/>
+                </a:solidFill>
+              </a14:hiddenFill>
+            </a:ext>
+          </a:extLst>
+        </p:spPr>
+      </p:pic>
+      <p:sp>
+        <p:nvSpPr>
+          <p:cNvPr id="2" name="Titel 1">
+            <a:extLst>
+              <a:ext uri="{FF2B5EF4-FFF2-40B4-BE49-F238E27FC236}">
+                <a16:creationId xmlns:a16="http://schemas.microsoft.com/office/drawing/2014/main" id="{D6A0D668-B856-B583-B7FB-3BA0A3F4F2DD}"/>
+              </a:ext>
+            </a:extLst>
+          </p:cNvPr>
+          <p:cNvSpPr>
+            <a:spLocks noGrp="1"/>
+          </p:cNvSpPr>
+          <p:nvPr>
+            <p:ph type="title"/>
+          </p:nvPr>
+        </p:nvSpPr>
+        <p:spPr/>
+        <p:txBody>
+          <a:bodyPr/>
+          <a:lstStyle/>
+          <a:p>
+            <a:r>
+              <a:rPr lang="de-CH" dirty="0">
+                <a:latin typeface="Cascadia Code" panose="020B0609020000020004" pitchFamily="49" charset="0"/>
+                <a:cs typeface="Cascadia Code" panose="020B0609020000020004" pitchFamily="49" charset="0"/>
+              </a:rPr>
+              <a:t>Optionen von </a:t>
+            </a:r>
+            <a:r>
+              <a:rPr lang="de-CH" dirty="0" err="1">
+                <a:latin typeface="Cascadia Code" panose="020B0609020000020004" pitchFamily="49" charset="0"/>
+                <a:cs typeface="Cascadia Code" panose="020B0609020000020004" pitchFamily="49" charset="0"/>
+              </a:rPr>
+              <a:t>IFrames</a:t>
+            </a:r>
+            <a:r>
+              <a:rPr lang="de-CH" dirty="0">
+                <a:latin typeface="Cascadia Code" panose="020B0609020000020004" pitchFamily="49" charset="0"/>
+                <a:cs typeface="Cascadia Code" panose="020B0609020000020004" pitchFamily="49" charset="0"/>
+              </a:rPr>
+              <a:t>?</a:t>
+            </a:r>
+          </a:p>
+        </p:txBody>
+      </p:sp>
+      <p:sp>
+        <p:nvSpPr>
+          <p:cNvPr id="3" name="Inhaltsplatzhalter 2">
+            <a:extLst>
+              <a:ext uri="{FF2B5EF4-FFF2-40B4-BE49-F238E27FC236}">
+                <a16:creationId xmlns:a16="http://schemas.microsoft.com/office/drawing/2014/main" id="{A2630839-998B-AE38-3246-172F933617DE}"/>
+              </a:ext>
+            </a:extLst>
+          </p:cNvPr>
+          <p:cNvSpPr>
+            <a:spLocks noGrp="1"/>
+          </p:cNvSpPr>
+          <p:nvPr>
+            <p:ph idx="1"/>
+          </p:nvPr>
+        </p:nvSpPr>
+        <p:spPr/>
+        <p:txBody>
+          <a:bodyPr>
+            <a:normAutofit/>
+          </a:bodyPr>
+          <a:lstStyle/>
+          <a:p>
+            <a:r>
+              <a:rPr lang="de-DE" dirty="0">
+                <a:latin typeface="Cascadia Code" panose="020B0609020000020004" pitchFamily="49" charset="0"/>
+                <a:cs typeface="Cascadia Code" panose="020B0609020000020004" pitchFamily="49" charset="0"/>
+              </a:rPr>
+              <a:t>Positionierung</a:t>
+            </a:r>
+          </a:p>
+          <a:p>
+            <a:r>
+              <a:rPr lang="de-DE" dirty="0">
+                <a:latin typeface="Cascadia Code" panose="020B0609020000020004" pitchFamily="49" charset="0"/>
+                <a:cs typeface="Cascadia Code" panose="020B0609020000020004" pitchFamily="49" charset="0"/>
+              </a:rPr>
+              <a:t>Gestaltung</a:t>
+            </a:r>
+          </a:p>
+          <a:p>
+            <a:r>
+              <a:rPr lang="de-DE" dirty="0">
+                <a:latin typeface="Cascadia Code" panose="020B0609020000020004" pitchFamily="49" charset="0"/>
+                <a:cs typeface="Cascadia Code" panose="020B0609020000020004" pitchFamily="49" charset="0"/>
+              </a:rPr>
+              <a:t>Vorteile</a:t>
+            </a:r>
+          </a:p>
+          <a:p>
+            <a:pPr lvl="1"/>
+            <a:r>
+              <a:rPr lang="de-DE" dirty="0">
+                <a:latin typeface="Cascadia Code" panose="020B0609020000020004" pitchFamily="49" charset="0"/>
+                <a:cs typeface="Cascadia Code" panose="020B0609020000020004" pitchFamily="49" charset="0"/>
+              </a:rPr>
+              <a:t>Modulare Einbettung </a:t>
+            </a:r>
+          </a:p>
+          <a:p>
+            <a:pPr lvl="1"/>
+            <a:r>
+              <a:rPr lang="de-DE" dirty="0">
+                <a:latin typeface="Cascadia Code" panose="020B0609020000020004" pitchFamily="49" charset="0"/>
+                <a:cs typeface="Cascadia Code" panose="020B0609020000020004" pitchFamily="49" charset="0"/>
+              </a:rPr>
+              <a:t>Einfache Aktualisierung</a:t>
+            </a:r>
+          </a:p>
+          <a:p>
+            <a:r>
+              <a:rPr lang="de-DE" dirty="0">
+                <a:latin typeface="Cascadia Code" panose="020B0609020000020004" pitchFamily="49" charset="0"/>
+                <a:cs typeface="Cascadia Code" panose="020B0609020000020004" pitchFamily="49" charset="0"/>
+              </a:rPr>
+              <a:t>Nachteile</a:t>
+            </a:r>
+          </a:p>
+          <a:p>
+            <a:pPr lvl="1"/>
+            <a:r>
+              <a:rPr lang="de-DE" dirty="0">
+                <a:latin typeface="Cascadia Code" panose="020B0609020000020004" pitchFamily="49" charset="0"/>
+                <a:cs typeface="Cascadia Code" panose="020B0609020000020004" pitchFamily="49" charset="0"/>
+              </a:rPr>
+              <a:t>Sicherheitsprobleme</a:t>
+            </a:r>
+          </a:p>
+          <a:p>
+            <a:pPr lvl="1"/>
+            <a:r>
+              <a:rPr lang="de-DE" dirty="0">
+                <a:latin typeface="Cascadia Code" panose="020B0609020000020004" pitchFamily="49" charset="0"/>
+                <a:cs typeface="Cascadia Code" panose="020B0609020000020004" pitchFamily="49" charset="0"/>
+              </a:rPr>
+              <a:t>Performance</a:t>
+            </a:r>
+          </a:p>
+        </p:txBody>
+      </p:sp>
+      <p:pic>
+        <p:nvPicPr>
+          <p:cNvPr id="6" name="Picture 2" descr="What Is an iFrame? (Inline Frame Definition, Examples) | Built In">
+            <a:extLst>
+              <a:ext uri="{FF2B5EF4-FFF2-40B4-BE49-F238E27FC236}">
+                <a16:creationId xmlns:a16="http://schemas.microsoft.com/office/drawing/2014/main" id="{85A98DCD-6145-4105-6A81-C722E36CBCC8}"/>
               </a:ext>
             </a:extLst>
           </p:cNvPr>
@@ -4759,11 +5846,95 @@
           <p:nvPr/>
         </p:nvPicPr>
         <p:blipFill rotWithShape="1">
-          <a:blip r:embed="rId2">
+          <a:blip r:embed="rId4">
             <a:extLst>
               <a:ext uri="{BEBA8EAE-BF5A-486C-A8C5-ECC9F3942E4B}">
                 <a14:imgProps xmlns:a14="http://schemas.microsoft.com/office/drawing/2010/main">
-                  <a14:imgLayer r:embed="rId3">
+                  <a14:imgLayer r:embed="rId5">
+                    <a14:imgEffect>
+                      <a14:sharpenSoften amount="-53000"/>
+                    </a14:imgEffect>
+                  </a14:imgLayer>
+                </a14:imgProps>
+              </a:ext>
+              <a:ext uri="{28A0092B-C50C-407E-A947-70E740481C1C}">
+                <a14:useLocalDpi xmlns:a14="http://schemas.microsoft.com/office/drawing/2010/main" val="0"/>
+              </a:ext>
+            </a:extLst>
+          </a:blip>
+          <a:srcRect l="3333" r="3333"/>
+          <a:stretch/>
+        </p:blipFill>
+        <p:spPr bwMode="auto">
+          <a:xfrm>
+            <a:off x="0" y="6858000"/>
+            <a:ext cx="12192000" cy="6858000"/>
+          </a:xfrm>
+          <a:prstGeom prst="rect">
+            <a:avLst/>
+          </a:prstGeom>
+          <a:noFill/>
+          <a:extLst>
+            <a:ext uri="{909E8E84-426E-40DD-AFC4-6F175D3DCCD1}">
+              <a14:hiddenFill xmlns:a14="http://schemas.microsoft.com/office/drawing/2010/main">
+                <a:solidFill>
+                  <a:srgbClr val="FFFFFF"/>
+                </a:solidFill>
+              </a14:hiddenFill>
+            </a:ext>
+          </a:extLst>
+        </p:spPr>
+      </p:pic>
+    </p:spTree>
+    <p:extLst>
+      <p:ext uri="{BB962C8B-B14F-4D97-AF65-F5344CB8AC3E}">
+        <p14:creationId xmlns:p14="http://schemas.microsoft.com/office/powerpoint/2010/main" val="1592950493"/>
+      </p:ext>
+    </p:extLst>
+  </p:cSld>
+  <p:clrMapOvr>
+    <a:masterClrMapping/>
+  </p:clrMapOvr>
+</p:sld>
+</file>
+
+<file path=ppt/slides/slide6.xml><?xml version="1.0" encoding="utf-8"?>
+<p:sld xmlns:a="http://schemas.openxmlformats.org/drawingml/2006/main" xmlns:r="http://schemas.openxmlformats.org/officeDocument/2006/relationships" xmlns:p="http://schemas.openxmlformats.org/presentationml/2006/main">
+  <p:cSld>
+    <p:spTree>
+      <p:nvGrpSpPr>
+        <p:cNvPr id="1" name=""/>
+        <p:cNvGrpSpPr/>
+        <p:nvPr/>
+      </p:nvGrpSpPr>
+      <p:grpSpPr>
+        <a:xfrm>
+          <a:off x="0" y="0"/>
+          <a:ext cx="0" cy="0"/>
+          <a:chOff x="0" y="0"/>
+          <a:chExt cx="0" cy="0"/>
+        </a:xfrm>
+      </p:grpSpPr>
+      <p:pic>
+        <p:nvPicPr>
+          <p:cNvPr id="2050" name="Picture 2" descr="What Is an iFrame? (Inline Frame Definition, Examples) | Built In">
+            <a:extLst>
+              <a:ext uri="{FF2B5EF4-FFF2-40B4-BE49-F238E27FC236}">
+                <a16:creationId xmlns:a16="http://schemas.microsoft.com/office/drawing/2014/main" id="{21853EF7-1736-6CE7-C013-F44E52FEBF85}"/>
+              </a:ext>
+            </a:extLst>
+          </p:cNvPr>
+          <p:cNvPicPr>
+            <a:picLocks noChangeAspect="1" noChangeArrowheads="1"/>
+          </p:cNvPicPr>
+          <p:nvPr/>
+        </p:nvPicPr>
+        <p:blipFill rotWithShape="1">
+          <a:blip r:embed="rId3">
+            <a:extLst>
+              <a:ext uri="{BEBA8EAE-BF5A-486C-A8C5-ECC9F3942E4B}">
+                <a14:imgProps xmlns:a14="http://schemas.microsoft.com/office/drawing/2010/main">
+                  <a14:imgLayer r:embed="rId4">
                     <a14:imgEffect>
                       <a14:sharpenSoften amount="-53000"/>
                     </a14:imgEffect>
@@ -4820,14 +5991,14 @@
           <a:lstStyle/>
           <a:p>
             <a:r>
-              <a:rPr lang="de-DE" dirty="0">
+              <a:rPr lang="de-CH" dirty="0">
                 <a:latin typeface="Cascadia Code" panose="020B0609020000020004" pitchFamily="49" charset="0"/>
                 <a:cs typeface="Cascadia Code" panose="020B0609020000020004" pitchFamily="49" charset="0"/>
               </a:rPr>
-              <a:t>Beispiele für die Verwendung von </a:t>
-            </a:r>
-            <a:r>
-              <a:rPr lang="de-DE" dirty="0" err="1">
+              <a:t>Syntax und Attribute von </a:t>
+            </a:r>
+            <a:r>
+              <a:rPr lang="de-CH" dirty="0" err="1">
                 <a:latin typeface="Cascadia Code" panose="020B0609020000020004" pitchFamily="49" charset="0"/>
                 <a:cs typeface="Cascadia Code" panose="020B0609020000020004" pitchFamily="49" charset="0"/>
               </a:rPr>
@@ -4862,43 +6033,374 @@
           <a:lstStyle/>
           <a:p>
             <a:r>
+              <a:rPr lang="de-DE" dirty="0" err="1">
+                <a:latin typeface="Cascadia Code" panose="020B0609020000020004" pitchFamily="49" charset="0"/>
+                <a:cs typeface="Cascadia Code" panose="020B0609020000020004" pitchFamily="49" charset="0"/>
+              </a:rPr>
+              <a:t>src</a:t>
+            </a:r>
+            <a:r>
               <a:rPr lang="de-DE" dirty="0">
                 <a:latin typeface="Cascadia Code" panose="020B0609020000020004" pitchFamily="49" charset="0"/>
                 <a:cs typeface="Cascadia Code" panose="020B0609020000020004" pitchFamily="49" charset="0"/>
               </a:rPr>
-              <a:t>Einbettung eines YouTube-Videos in eine Webseite</a:t>
-            </a:r>
-          </a:p>
-          <a:p>
+              <a:t> (Quelle)</a:t>
+            </a:r>
+          </a:p>
+          <a:p>
+            <a:r>
+              <a:rPr lang="de-DE" dirty="0" err="1">
+                <a:latin typeface="Cascadia Code" panose="020B0609020000020004" pitchFamily="49" charset="0"/>
+                <a:cs typeface="Cascadia Code" panose="020B0609020000020004" pitchFamily="49" charset="0"/>
+              </a:rPr>
+              <a:t>width</a:t>
+            </a:r>
             <a:r>
               <a:rPr lang="de-DE" dirty="0">
                 <a:latin typeface="Cascadia Code" panose="020B0609020000020004" pitchFamily="49" charset="0"/>
                 <a:cs typeface="Cascadia Code" panose="020B0609020000020004" pitchFamily="49" charset="0"/>
               </a:rPr>
-              <a:t>Einbindung von Google Maps in eine Webseite</a:t>
-            </a:r>
-          </a:p>
-          <a:p>
+              <a:t> (Breite)</a:t>
+            </a:r>
+          </a:p>
+          <a:p>
+            <a:r>
+              <a:rPr lang="de-DE" dirty="0" err="1">
+                <a:latin typeface="Cascadia Code" panose="020B0609020000020004" pitchFamily="49" charset="0"/>
+                <a:cs typeface="Cascadia Code" panose="020B0609020000020004" pitchFamily="49" charset="0"/>
+              </a:rPr>
+              <a:t>height</a:t>
+            </a:r>
             <a:r>
               <a:rPr lang="de-DE" dirty="0">
                 <a:latin typeface="Cascadia Code" panose="020B0609020000020004" pitchFamily="49" charset="0"/>
                 <a:cs typeface="Cascadia Code" panose="020B0609020000020004" pitchFamily="49" charset="0"/>
               </a:rPr>
-              <a:t>Integration von </a:t>
-            </a:r>
+              <a:t> (Höhe)</a:t>
+            </a:r>
+          </a:p>
+          <a:p>
             <a:r>
               <a:rPr lang="de-DE" dirty="0" err="1">
                 <a:latin typeface="Cascadia Code" panose="020B0609020000020004" pitchFamily="49" charset="0"/>
                 <a:cs typeface="Cascadia Code" panose="020B0609020000020004" pitchFamily="49" charset="0"/>
               </a:rPr>
-              <a:t>Social</a:t>
+              <a:t>frameborder</a:t>
             </a:r>
             <a:r>
               <a:rPr lang="de-DE" dirty="0">
                 <a:latin typeface="Cascadia Code" panose="020B0609020000020004" pitchFamily="49" charset="0"/>
                 <a:cs typeface="Cascadia Code" panose="020B0609020000020004" pitchFamily="49" charset="0"/>
               </a:rPr>
-              <a:t>-Media-Feeds in eine Webseite</a:t>
+              <a:t> (Rahmen)</a:t>
+            </a:r>
+          </a:p>
+          <a:p>
+            <a:r>
+              <a:rPr lang="de-DE" dirty="0" err="1">
+                <a:latin typeface="Cascadia Code" panose="020B0609020000020004" pitchFamily="49" charset="0"/>
+                <a:cs typeface="Cascadia Code" panose="020B0609020000020004" pitchFamily="49" charset="0"/>
+              </a:rPr>
+              <a:t>Allowfullscreen</a:t>
+            </a:r>
+            <a:endParaRPr lang="de-DE" dirty="0">
+              <a:latin typeface="Cascadia Code" panose="020B0609020000020004" pitchFamily="49" charset="0"/>
+              <a:cs typeface="Cascadia Code" panose="020B0609020000020004" pitchFamily="49" charset="0"/>
+            </a:endParaRPr>
+          </a:p>
+          <a:p>
+            <a:r>
+              <a:rPr lang="de-DE" dirty="0">
+                <a:latin typeface="Cascadia Code" panose="020B0609020000020004" pitchFamily="49" charset="0"/>
+                <a:cs typeface="Cascadia Code" panose="020B0609020000020004" pitchFamily="49" charset="0"/>
+              </a:rPr>
+              <a:t>-</a:t>
+            </a:r>
+          </a:p>
+          <a:p>
+            <a:endParaRPr lang="de-DE" dirty="0">
+              <a:latin typeface="Cascadia Code" panose="020B0609020000020004" pitchFamily="49" charset="0"/>
+              <a:cs typeface="Cascadia Code" panose="020B0609020000020004" pitchFamily="49" charset="0"/>
+            </a:endParaRPr>
+          </a:p>
+        </p:txBody>
+      </p:sp>
+      <p:pic>
+        <p:nvPicPr>
+          <p:cNvPr id="6" name="Picture 6" descr="How to programmatically create iFrame in ASP.NET - Nile Bits">
+            <a:extLst>
+              <a:ext uri="{FF2B5EF4-FFF2-40B4-BE49-F238E27FC236}">
+                <a16:creationId xmlns:a16="http://schemas.microsoft.com/office/drawing/2014/main" id="{AFF45E41-94E9-80C0-6BB8-23A83FB6858F}"/>
+              </a:ext>
+            </a:extLst>
+          </p:cNvPr>
+          <p:cNvPicPr/>
+          <p:nvPr/>
+        </p:nvPicPr>
+        <p:blipFill rotWithShape="1">
+          <a:blip r:embed="rId5">
+            <a:extLst>
+              <a:ext uri="{BEBA8EAE-BF5A-486C-A8C5-ECC9F3942E4B}">
+                <a14:imgProps xmlns:a14="http://schemas.microsoft.com/office/drawing/2010/main">
+                  <a14:imgLayer r:embed="rId6">
+                    <a14:imgEffect>
+                      <a14:sharpenSoften amount="-100000"/>
+                    </a14:imgEffect>
+                  </a14:imgLayer>
+                </a14:imgProps>
+              </a:ext>
+              <a:ext uri="{28A0092B-C50C-407E-A947-70E740481C1C}">
+                <a14:useLocalDpi xmlns:a14="http://schemas.microsoft.com/office/drawing/2010/main" val="0"/>
+              </a:ext>
+            </a:extLst>
+          </a:blip>
+          <a:srcRect l="3241" r="3263"/>
+          <a:stretch/>
+        </p:blipFill>
+        <p:spPr bwMode="auto">
+          <a:xfrm>
+            <a:off x="0" y="-6858000"/>
+            <a:ext cx="12192000" cy="6858000"/>
+          </a:xfrm>
+          <a:prstGeom prst="rect">
+            <a:avLst/>
+          </a:prstGeom>
+          <a:noFill/>
+          <a:extLst>
+            <a:ext uri="{909E8E84-426E-40DD-AFC4-6F175D3DCCD1}">
+              <a14:hiddenFill xmlns:a14="http://schemas.microsoft.com/office/drawing/2010/main">
+                <a:solidFill>
+                  <a:srgbClr val="FFFFFF"/>
+                </a:solidFill>
+              </a14:hiddenFill>
+            </a:ext>
+          </a:extLst>
+        </p:spPr>
+      </p:pic>
+      <p:pic>
+        <p:nvPicPr>
+          <p:cNvPr id="5" name="Grafik 4">
+            <a:extLst>
+              <a:ext uri="{FF2B5EF4-FFF2-40B4-BE49-F238E27FC236}">
+                <a16:creationId xmlns:a16="http://schemas.microsoft.com/office/drawing/2014/main" id="{B3B20D59-A6D3-FE6A-0120-A59D7D374737}"/>
+              </a:ext>
+            </a:extLst>
+          </p:cNvPr>
+          <p:cNvPicPr>
+            <a:picLocks noChangeAspect="1"/>
+          </p:cNvPicPr>
+          <p:nvPr/>
+        </p:nvPicPr>
+        <p:blipFill>
+          <a:blip r:embed="rId7"/>
+          <a:stretch>
+            <a:fillRect/>
+          </a:stretch>
+        </p:blipFill>
+        <p:spPr>
+          <a:xfrm>
+            <a:off x="1140355" y="4437053"/>
+            <a:ext cx="11051645" cy="444519"/>
+          </a:xfrm>
+          <a:prstGeom prst="rect">
+            <a:avLst/>
+          </a:prstGeom>
+        </p:spPr>
+      </p:pic>
+    </p:spTree>
+    <p:extLst>
+      <p:ext uri="{BB962C8B-B14F-4D97-AF65-F5344CB8AC3E}">
+        <p14:creationId xmlns:p14="http://schemas.microsoft.com/office/powerpoint/2010/main" val="3983677239"/>
+      </p:ext>
+    </p:extLst>
+  </p:cSld>
+  <p:clrMapOvr>
+    <a:masterClrMapping/>
+  </p:clrMapOvr>
+</p:sld>
+</file>
+
+<file path=ppt/slides/slide7.xml><?xml version="1.0" encoding="utf-8"?>
+<p:sld xmlns:a="http://schemas.openxmlformats.org/drawingml/2006/main" xmlns:r="http://schemas.openxmlformats.org/officeDocument/2006/relationships" xmlns:p="http://schemas.openxmlformats.org/presentationml/2006/main">
+  <p:cSld>
+    <p:spTree>
+      <p:nvGrpSpPr>
+        <p:cNvPr id="1" name=""/>
+        <p:cNvGrpSpPr/>
+        <p:nvPr/>
+      </p:nvGrpSpPr>
+      <p:grpSpPr>
+        <a:xfrm>
+          <a:off x="0" y="0"/>
+          <a:ext cx="0" cy="0"/>
+          <a:chOff x="0" y="0"/>
+          <a:chExt cx="0" cy="0"/>
+        </a:xfrm>
+      </p:grpSpPr>
+      <p:pic>
+        <p:nvPicPr>
+          <p:cNvPr id="2050" name="Picture 2" descr="What Is an iFrame? (Inline Frame Definition, Examples) | Built In">
+            <a:extLst>
+              <a:ext uri="{FF2B5EF4-FFF2-40B4-BE49-F238E27FC236}">
+                <a16:creationId xmlns:a16="http://schemas.microsoft.com/office/drawing/2014/main" id="{21853EF7-1736-6CE7-C013-F44E52FEBF85}"/>
+              </a:ext>
+            </a:extLst>
+          </p:cNvPr>
+          <p:cNvPicPr>
+            <a:picLocks noChangeAspect="1" noChangeArrowheads="1"/>
+          </p:cNvPicPr>
+          <p:nvPr/>
+        </p:nvPicPr>
+        <p:blipFill rotWithShape="1">
+          <a:blip r:embed="rId2">
+            <a:extLst>
+              <a:ext uri="{BEBA8EAE-BF5A-486C-A8C5-ECC9F3942E4B}">
+                <a14:imgProps xmlns:a14="http://schemas.microsoft.com/office/drawing/2010/main">
+                  <a14:imgLayer r:embed="rId3">
+                    <a14:imgEffect>
+                      <a14:sharpenSoften amount="-53000"/>
+                    </a14:imgEffect>
+                  </a14:imgLayer>
+                </a14:imgProps>
+              </a:ext>
+              <a:ext uri="{28A0092B-C50C-407E-A947-70E740481C1C}">
+                <a14:useLocalDpi xmlns:a14="http://schemas.microsoft.com/office/drawing/2010/main" val="0"/>
+              </a:ext>
+            </a:extLst>
+          </a:blip>
+          <a:srcRect l="3333" r="3333"/>
+          <a:stretch/>
+        </p:blipFill>
+        <p:spPr bwMode="auto">
+          <a:xfrm>
+            <a:off x="0" y="0"/>
+            <a:ext cx="12192000" cy="6858000"/>
+          </a:xfrm>
+          <a:prstGeom prst="rect">
+            <a:avLst/>
+          </a:prstGeom>
+          <a:noFill/>
+          <a:extLst>
+            <a:ext uri="{909E8E84-426E-40DD-AFC4-6F175D3DCCD1}">
+              <a14:hiddenFill xmlns:a14="http://schemas.microsoft.com/office/drawing/2010/main">
+                <a:solidFill>
+                  <a:srgbClr val="FFFFFF"/>
+                </a:solidFill>
+              </a14:hiddenFill>
+            </a:ext>
+          </a:extLst>
+        </p:spPr>
+      </p:pic>
+      <p:sp>
+        <p:nvSpPr>
+          <p:cNvPr id="2" name="Titel 1">
+            <a:extLst>
+              <a:ext uri="{FF2B5EF4-FFF2-40B4-BE49-F238E27FC236}">
+                <a16:creationId xmlns:a16="http://schemas.microsoft.com/office/drawing/2014/main" id="{7E54B5A0-EE3F-56AB-01F9-A92FCB9F9C5E}"/>
+              </a:ext>
+            </a:extLst>
+          </p:cNvPr>
+          <p:cNvSpPr>
+            <a:spLocks noGrp="1"/>
+          </p:cNvSpPr>
+          <p:nvPr>
+            <p:ph type="title"/>
+          </p:nvPr>
+        </p:nvSpPr>
+        <p:spPr/>
+        <p:txBody>
+          <a:bodyPr/>
+          <a:lstStyle/>
+          <a:p>
+            <a:r>
+              <a:rPr lang="de-DE" dirty="0">
+                <a:latin typeface="Cascadia Code" panose="020B0609020000020004" pitchFamily="49" charset="0"/>
+                <a:cs typeface="Cascadia Code" panose="020B0609020000020004" pitchFamily="49" charset="0"/>
+              </a:rPr>
+              <a:t>Beispiele für die Verwendung von </a:t>
+            </a:r>
+            <a:r>
+              <a:rPr lang="de-DE" dirty="0" err="1">
+                <a:latin typeface="Cascadia Code" panose="020B0609020000020004" pitchFamily="49" charset="0"/>
+                <a:cs typeface="Cascadia Code" panose="020B0609020000020004" pitchFamily="49" charset="0"/>
+              </a:rPr>
+              <a:t>Iframes</a:t>
+            </a:r>
+            <a:endParaRPr lang="de-CH" dirty="0">
+              <a:latin typeface="Cascadia Code" panose="020B0609020000020004" pitchFamily="49" charset="0"/>
+              <a:cs typeface="Cascadia Code" panose="020B0609020000020004" pitchFamily="49" charset="0"/>
+            </a:endParaRPr>
+          </a:p>
+        </p:txBody>
+      </p:sp>
+      <p:sp>
+        <p:nvSpPr>
+          <p:cNvPr id="3" name="Inhaltsplatzhalter 2">
+            <a:extLst>
+              <a:ext uri="{FF2B5EF4-FFF2-40B4-BE49-F238E27FC236}">
+                <a16:creationId xmlns:a16="http://schemas.microsoft.com/office/drawing/2014/main" id="{670FBFF1-3455-733B-1125-87DC68A8DC31}"/>
+              </a:ext>
+            </a:extLst>
+          </p:cNvPr>
+          <p:cNvSpPr>
+            <a:spLocks noGrp="1"/>
+          </p:cNvSpPr>
+          <p:nvPr>
+            <p:ph idx="1"/>
+          </p:nvPr>
+        </p:nvSpPr>
+        <p:spPr/>
+        <p:txBody>
+          <a:bodyPr/>
+          <a:lstStyle/>
+          <a:p>
+            <a:r>
+              <a:rPr lang="de-DE" dirty="0">
+                <a:latin typeface="Cascadia Code" panose="020B0609020000020004" pitchFamily="49" charset="0"/>
+                <a:cs typeface="Cascadia Code" panose="020B0609020000020004" pitchFamily="49" charset="0"/>
+              </a:rPr>
+              <a:t>Einbettung von YouTube-Videos </a:t>
+            </a:r>
+          </a:p>
+          <a:p>
+            <a:r>
+              <a:rPr lang="de-DE" dirty="0">
+                <a:latin typeface="Cascadia Code" panose="020B0609020000020004" pitchFamily="49" charset="0"/>
+                <a:cs typeface="Cascadia Code" panose="020B0609020000020004" pitchFamily="49" charset="0"/>
+              </a:rPr>
+              <a:t>Einbindung von Google Maps </a:t>
+            </a:r>
+          </a:p>
+          <a:p>
+            <a:r>
+              <a:rPr lang="de-DE" dirty="0">
+                <a:latin typeface="Cascadia Code" panose="020B0609020000020004" pitchFamily="49" charset="0"/>
+                <a:cs typeface="Cascadia Code" panose="020B0609020000020004" pitchFamily="49" charset="0"/>
+              </a:rPr>
+              <a:t>Integration von </a:t>
+            </a:r>
+            <a:r>
+              <a:rPr lang="de-DE" dirty="0" err="1">
+                <a:latin typeface="Cascadia Code" panose="020B0609020000020004" pitchFamily="49" charset="0"/>
+                <a:cs typeface="Cascadia Code" panose="020B0609020000020004" pitchFamily="49" charset="0"/>
+              </a:rPr>
+              <a:t>Social</a:t>
+            </a:r>
+            <a:r>
+              <a:rPr lang="de-DE" dirty="0">
+                <a:latin typeface="Cascadia Code" panose="020B0609020000020004" pitchFamily="49" charset="0"/>
+                <a:cs typeface="Cascadia Code" panose="020B0609020000020004" pitchFamily="49" charset="0"/>
+              </a:rPr>
+              <a:t>-Media-Feeds</a:t>
+            </a:r>
+          </a:p>
+          <a:p>
+            <a:r>
+              <a:rPr lang="de-DE" dirty="0">
+                <a:latin typeface="Cascadia Code" panose="020B0609020000020004" pitchFamily="49" charset="0"/>
+                <a:cs typeface="Cascadia Code" panose="020B0609020000020004" pitchFamily="49" charset="0"/>
+              </a:rPr>
+              <a:t>Eibettung von Inhalten der eigenen Website</a:t>
             </a:r>
             <a:endParaRPr lang="de-CH" dirty="0">
               <a:latin typeface="Cascadia Code" panose="020B0609020000020004" pitchFamily="49" charset="0"/>
@@ -4972,7 +6474,345 @@
 </p:sld>
 </file>
 
-<file path=ppt/slides/slide6.xml><?xml version="1.0" encoding="utf-8"?>
+<file path=ppt/slides/slide8.xml><?xml version="1.0" encoding="utf-8"?>
+<p:sld xmlns:a="http://schemas.openxmlformats.org/drawingml/2006/main" xmlns:r="http://schemas.openxmlformats.org/officeDocument/2006/relationships" xmlns:p="http://schemas.openxmlformats.org/presentationml/2006/main">
+  <p:cSld>
+    <p:spTree>
+      <p:nvGrpSpPr>
+        <p:cNvPr id="1" name=""/>
+        <p:cNvGrpSpPr/>
+        <p:nvPr/>
+      </p:nvGrpSpPr>
+      <p:grpSpPr>
+        <a:xfrm>
+          <a:off x="0" y="0"/>
+          <a:ext cx="0" cy="0"/>
+          <a:chOff x="0" y="0"/>
+          <a:chExt cx="0" cy="0"/>
+        </a:xfrm>
+      </p:grpSpPr>
+      <p:pic>
+        <p:nvPicPr>
+          <p:cNvPr id="4" name="Picture 2" descr="What Is an iFrame? (Inline Frame Definition, Examples) | Built In">
+            <a:extLst>
+              <a:ext uri="{FF2B5EF4-FFF2-40B4-BE49-F238E27FC236}">
+                <a16:creationId xmlns:a16="http://schemas.microsoft.com/office/drawing/2014/main" id="{50AAC909-9DD8-6BDB-8C9A-D71468E3F81F}"/>
+              </a:ext>
+            </a:extLst>
+          </p:cNvPr>
+          <p:cNvPicPr>
+            <a:picLocks noGrp="1" noChangeAspect="1" noChangeArrowheads="1"/>
+          </p:cNvPicPr>
+          <p:nvPr>
+            <p:ph idx="1"/>
+          </p:nvPr>
+        </p:nvPicPr>
+        <p:blipFill rotWithShape="1">
+          <a:blip r:embed="rId2">
+            <a:extLst>
+              <a:ext uri="{BEBA8EAE-BF5A-486C-A8C5-ECC9F3942E4B}">
+                <a14:imgProps xmlns:a14="http://schemas.microsoft.com/office/drawing/2010/main">
+                  <a14:imgLayer r:embed="rId3">
+                    <a14:imgEffect>
+                      <a14:sharpenSoften amount="-53000"/>
+                    </a14:imgEffect>
+                  </a14:imgLayer>
+                </a14:imgProps>
+              </a:ext>
+              <a:ext uri="{28A0092B-C50C-407E-A947-70E740481C1C}">
+                <a14:useLocalDpi xmlns:a14="http://schemas.microsoft.com/office/drawing/2010/main" val="0"/>
+              </a:ext>
+            </a:extLst>
+          </a:blip>
+          <a:srcRect l="3333" r="3333"/>
+          <a:stretch/>
+        </p:blipFill>
+        <p:spPr bwMode="auto">
+          <a:xfrm>
+            <a:off x="0" y="0"/>
+            <a:ext cx="12192085" cy="6858000"/>
+          </a:xfrm>
+          <a:prstGeom prst="rect">
+            <a:avLst/>
+          </a:prstGeom>
+          <a:noFill/>
+          <a:extLst>
+            <a:ext uri="{909E8E84-426E-40DD-AFC4-6F175D3DCCD1}">
+              <a14:hiddenFill xmlns:a14="http://schemas.microsoft.com/office/drawing/2010/main">
+                <a:solidFill>
+                  <a:srgbClr val="FFFFFF"/>
+                </a:solidFill>
+              </a14:hiddenFill>
+            </a:ext>
+          </a:extLst>
+        </p:spPr>
+      </p:pic>
+      <p:sp>
+        <p:nvSpPr>
+          <p:cNvPr id="2" name="Title 1">
+            <a:extLst>
+              <a:ext uri="{FF2B5EF4-FFF2-40B4-BE49-F238E27FC236}">
+                <a16:creationId xmlns:a16="http://schemas.microsoft.com/office/drawing/2014/main" id="{160E3D24-3227-CEE9-4E5E-015EF177169C}"/>
+              </a:ext>
+            </a:extLst>
+          </p:cNvPr>
+          <p:cNvSpPr>
+            <a:spLocks noGrp="1"/>
+          </p:cNvSpPr>
+          <p:nvPr>
+            <p:ph type="title"/>
+          </p:nvPr>
+        </p:nvSpPr>
+        <p:spPr/>
+        <p:txBody>
+          <a:bodyPr/>
+          <a:lstStyle/>
+          <a:p>
+            <a:r>
+              <a:rPr lang="de-CH" dirty="0" err="1">
+                <a:latin typeface="Cascadia Code" panose="020B0609020000020004" pitchFamily="49" charset="0"/>
+                <a:cs typeface="Cascadia Code" panose="020B0609020000020004" pitchFamily="49" charset="0"/>
+              </a:rPr>
+              <a:t>Darkmode</a:t>
+            </a:r>
+            <a:r>
+              <a:rPr lang="de-CH" dirty="0">
+                <a:latin typeface="Cascadia Code" panose="020B0609020000020004" pitchFamily="49" charset="0"/>
+                <a:cs typeface="Cascadia Code" panose="020B0609020000020004" pitchFamily="49" charset="0"/>
+              </a:rPr>
+              <a:t> und </a:t>
+            </a:r>
+            <a:r>
+              <a:rPr lang="de-CH" dirty="0" err="1">
+                <a:latin typeface="Cascadia Code" panose="020B0609020000020004" pitchFamily="49" charset="0"/>
+                <a:cs typeface="Cascadia Code" panose="020B0609020000020004" pitchFamily="49" charset="0"/>
+              </a:rPr>
+              <a:t>Iframes</a:t>
+            </a:r>
+            <a:endParaRPr lang="LID4096" dirty="0">
+              <a:latin typeface="Cascadia Code" panose="020B0609020000020004" pitchFamily="49" charset="0"/>
+              <a:cs typeface="Cascadia Code" panose="020B0609020000020004" pitchFamily="49" charset="0"/>
+            </a:endParaRPr>
+          </a:p>
+        </p:txBody>
+      </p:sp>
+      <p:sp>
+        <p:nvSpPr>
+          <p:cNvPr id="6" name="TextBox 5">
+            <a:extLst>
+              <a:ext uri="{FF2B5EF4-FFF2-40B4-BE49-F238E27FC236}">
+                <a16:creationId xmlns:a16="http://schemas.microsoft.com/office/drawing/2014/main" id="{F9E9347B-EAC9-1230-3CFE-BCE96C9EA11A}"/>
+              </a:ext>
+            </a:extLst>
+          </p:cNvPr>
+          <p:cNvSpPr txBox="1"/>
+          <p:nvPr/>
+        </p:nvSpPr>
+        <p:spPr>
+          <a:xfrm>
+            <a:off x="838200" y="1775012"/>
+            <a:ext cx="10515600" cy="1384995"/>
+          </a:xfrm>
+          <a:prstGeom prst="rect">
+            <a:avLst/>
+          </a:prstGeom>
+          <a:noFill/>
+        </p:spPr>
+        <p:txBody>
+          <a:bodyPr wrap="square" rtlCol="0">
+            <a:spAutoFit/>
+          </a:bodyPr>
+          <a:lstStyle/>
+          <a:p>
+            <a:pPr marL="285750" indent="-285750">
+              <a:buFont typeface="Arial" panose="020B0604020202020204" pitchFamily="34" charset="0"/>
+              <a:buChar char="•"/>
+            </a:pPr>
+            <a:r>
+              <a:rPr lang="de-CH" sz="2800" dirty="0">
+                <a:latin typeface="Cascadia Code" panose="020B0609020000020004" pitchFamily="49" charset="0"/>
+                <a:cs typeface="Cascadia Code" panose="020B0609020000020004" pitchFamily="49" charset="0"/>
+              </a:rPr>
+              <a:t>Bei invertieren der Farben ändert sich auch die Farbe der </a:t>
+            </a:r>
+            <a:r>
+              <a:rPr lang="de-CH" sz="2800" dirty="0" err="1">
+                <a:latin typeface="Cascadia Code" panose="020B0609020000020004" pitchFamily="49" charset="0"/>
+                <a:cs typeface="Cascadia Code" panose="020B0609020000020004" pitchFamily="49" charset="0"/>
+              </a:rPr>
+              <a:t>Iframes</a:t>
+            </a:r>
+            <a:r>
+              <a:rPr lang="de-CH" sz="2800" dirty="0">
+                <a:latin typeface="Cascadia Code" panose="020B0609020000020004" pitchFamily="49" charset="0"/>
+                <a:cs typeface="Cascadia Code" panose="020B0609020000020004" pitchFamily="49" charset="0"/>
+              </a:rPr>
+              <a:t>.</a:t>
+            </a:r>
+          </a:p>
+          <a:p>
+            <a:pPr marL="285750" indent="-285750">
+              <a:buFont typeface="Arial" panose="020B0604020202020204" pitchFamily="34" charset="0"/>
+              <a:buChar char="•"/>
+            </a:pPr>
+            <a:r>
+              <a:rPr lang="de-CH" sz="2800" dirty="0">
+                <a:latin typeface="Cascadia Code" panose="020B0609020000020004" pitchFamily="49" charset="0"/>
+                <a:cs typeface="Cascadia Code" panose="020B0609020000020004" pitchFamily="49" charset="0"/>
+              </a:rPr>
+              <a:t>Syntax: </a:t>
+            </a:r>
+          </a:p>
+        </p:txBody>
+      </p:sp>
+      <p:pic>
+        <p:nvPicPr>
+          <p:cNvPr id="5" name="Grafik 4">
+            <a:extLst>
+              <a:ext uri="{FF2B5EF4-FFF2-40B4-BE49-F238E27FC236}">
+                <a16:creationId xmlns:a16="http://schemas.microsoft.com/office/drawing/2014/main" id="{24435891-CC34-DB6C-CD84-2CCFD7F50046}"/>
+              </a:ext>
+            </a:extLst>
+          </p:cNvPr>
+          <p:cNvPicPr>
+            <a:picLocks noChangeAspect="1"/>
+          </p:cNvPicPr>
+          <p:nvPr/>
+        </p:nvPicPr>
+        <p:blipFill>
+          <a:blip r:embed="rId4"/>
+          <a:stretch>
+            <a:fillRect/>
+          </a:stretch>
+        </p:blipFill>
+        <p:spPr>
+          <a:xfrm>
+            <a:off x="149373" y="3828180"/>
+            <a:ext cx="5268397" cy="2810923"/>
+          </a:xfrm>
+          <a:prstGeom prst="rect">
+            <a:avLst/>
+          </a:prstGeom>
+        </p:spPr>
+      </p:pic>
+      <p:pic>
+        <p:nvPicPr>
+          <p:cNvPr id="8" name="Grafik 7">
+            <a:extLst>
+              <a:ext uri="{FF2B5EF4-FFF2-40B4-BE49-F238E27FC236}">
+                <a16:creationId xmlns:a16="http://schemas.microsoft.com/office/drawing/2014/main" id="{1C253C31-8C9C-5BC6-4560-DF90B0E87A38}"/>
+              </a:ext>
+            </a:extLst>
+          </p:cNvPr>
+          <p:cNvPicPr>
+            <a:picLocks noChangeAspect="1"/>
+          </p:cNvPicPr>
+          <p:nvPr/>
+        </p:nvPicPr>
+        <p:blipFill>
+          <a:blip r:embed="rId5"/>
+          <a:stretch>
+            <a:fillRect/>
+          </a:stretch>
+        </p:blipFill>
+        <p:spPr>
+          <a:xfrm>
+            <a:off x="6774231" y="3828180"/>
+            <a:ext cx="5268397" cy="2810923"/>
+          </a:xfrm>
+          <a:prstGeom prst="rect">
+            <a:avLst/>
+          </a:prstGeom>
+        </p:spPr>
+      </p:pic>
+      <p:pic>
+        <p:nvPicPr>
+          <p:cNvPr id="10" name="Grafik 9" descr="Kreis mit Pfeil nach links Silhouette">
+            <a:extLst>
+              <a:ext uri="{FF2B5EF4-FFF2-40B4-BE49-F238E27FC236}">
+                <a16:creationId xmlns:a16="http://schemas.microsoft.com/office/drawing/2014/main" id="{D85B3818-2A89-BCC2-1708-9B4B14DE945C}"/>
+              </a:ext>
+            </a:extLst>
+          </p:cNvPr>
+          <p:cNvPicPr>
+            <a:picLocks noChangeAspect="1"/>
+          </p:cNvPicPr>
+          <p:nvPr/>
+        </p:nvPicPr>
+        <p:blipFill>
+          <a:blip r:embed="rId6">
+            <a:extLst>
+              <a:ext uri="{28A0092B-C50C-407E-A947-70E740481C1C}">
+                <a14:useLocalDpi xmlns:a14="http://schemas.microsoft.com/office/drawing/2010/main" val="0"/>
+              </a:ext>
+              <a:ext uri="{96DAC541-7B7A-43D3-8B79-37D633B846F1}">
+                <asvg:svgBlip xmlns:asvg="http://schemas.microsoft.com/office/drawing/2016/SVG/main" r:embed="rId7"/>
+              </a:ext>
+            </a:extLst>
+          </a:blip>
+          <a:stretch>
+            <a:fillRect/>
+          </a:stretch>
+        </p:blipFill>
+        <p:spPr>
+          <a:xfrm>
+            <a:off x="5638800" y="4667383"/>
+            <a:ext cx="914400" cy="914400"/>
+          </a:xfrm>
+          <a:prstGeom prst="rect">
+            <a:avLst/>
+          </a:prstGeom>
+        </p:spPr>
+      </p:pic>
+      <p:pic>
+        <p:nvPicPr>
+          <p:cNvPr id="12" name="Grafik 11">
+            <a:extLst>
+              <a:ext uri="{FF2B5EF4-FFF2-40B4-BE49-F238E27FC236}">
+                <a16:creationId xmlns:a16="http://schemas.microsoft.com/office/drawing/2014/main" id="{B76F752F-786F-16BB-6762-F596DEF571AC}"/>
+              </a:ext>
+            </a:extLst>
+          </p:cNvPr>
+          <p:cNvPicPr>
+            <a:picLocks noChangeAspect="1"/>
+          </p:cNvPicPr>
+          <p:nvPr/>
+        </p:nvPicPr>
+        <p:blipFill>
+          <a:blip r:embed="rId8">
+            <a:extLst>
+              <a:ext uri="{28A0092B-C50C-407E-A947-70E740481C1C}">
+                <a14:useLocalDpi xmlns:a14="http://schemas.microsoft.com/office/drawing/2010/main" val="0"/>
+              </a:ext>
+            </a:extLst>
+          </a:blip>
+          <a:srcRect/>
+          <a:stretch/>
+        </p:blipFill>
+        <p:spPr>
+          <a:xfrm>
+            <a:off x="2788204" y="2736764"/>
+            <a:ext cx="4350326" cy="355128"/>
+          </a:xfrm>
+          <a:prstGeom prst="rect">
+            <a:avLst/>
+          </a:prstGeom>
+        </p:spPr>
+      </p:pic>
+    </p:spTree>
+    <p:extLst>
+      <p:ext uri="{BB962C8B-B14F-4D97-AF65-F5344CB8AC3E}">
+        <p14:creationId xmlns:p14="http://schemas.microsoft.com/office/powerpoint/2010/main" val="898674988"/>
+      </p:ext>
+    </p:extLst>
+  </p:cSld>
+  <p:clrMapOvr>
+    <a:masterClrMapping/>
+  </p:clrMapOvr>
+</p:sld>
+</file>
+
+<file path=ppt/slides/slide9.xml><?xml version="1.0" encoding="utf-8"?>
 <p:sld xmlns:a="http://schemas.openxmlformats.org/drawingml/2006/main" xmlns:r="http://schemas.openxmlformats.org/officeDocument/2006/relationships" xmlns:p="http://schemas.openxmlformats.org/presentationml/2006/main">
   <p:cSld>
     <p:spTree>
@@ -5446,4 +7286,299 @@
     </a:ext>
   </a:extLst>
 </a:theme>
+</file>
+
+<file path=ppt/theme/theme2.xml><?xml version="1.0" encoding="utf-8"?>
+<a:theme xmlns:a="http://schemas.openxmlformats.org/drawingml/2006/main" name="Office">
+  <a:themeElements>
+    <a:clrScheme name="Office">
+      <a:dk1>
+        <a:sysClr val="windowText" lastClr="000000"/>
+      </a:dk1>
+      <a:lt1>
+        <a:sysClr val="window" lastClr="FFFFFF"/>
+      </a:lt1>
+      <a:dk2>
+        <a:srgbClr val="44546A"/>
+      </a:dk2>
+      <a:lt2>
+        <a:srgbClr val="E7E6E6"/>
+      </a:lt2>
+      <a:accent1>
+        <a:srgbClr val="4472C4"/>
+      </a:accent1>
+      <a:accent2>
+        <a:srgbClr val="ED7D31"/>
+      </a:accent2>
+      <a:accent3>
+        <a:srgbClr val="A5A5A5"/>
+      </a:accent3>
+      <a:accent4>
+        <a:srgbClr val="FFC000"/>
+      </a:accent4>
+      <a:accent5>
+        <a:srgbClr val="5B9BD5"/>
+      </a:accent5>
+      <a:accent6>
+        <a:srgbClr val="70AD47"/>
+      </a:accent6>
+      <a:hlink>
+        <a:srgbClr val="0563C1"/>
+      </a:hlink>
+      <a:folHlink>
+        <a:srgbClr val="954F72"/>
+      </a:folHlink>
+    </a:clrScheme>
+    <a:fontScheme name="Office">
+      <a:majorFont>
+        <a:latin typeface="Calibri Light" panose="020F0302020204030204"/>
+        <a:ea typeface=""/>
+        <a:cs typeface=""/>
+        <a:font script="Jpan" typeface="游ゴシック Light"/>
+        <a:font script="Hang" typeface="맑은 고딕"/>
+        <a:font script="Hans" typeface="等线 Light"/>
+        <a:font script="Hant" typeface="新細明體"/>
+        <a:font script="Arab" typeface="Times New Roman"/>
+        <a:font script="Hebr" typeface="Times New Roman"/>
+        <a:font script="Thai" typeface="Angsana New"/>
+        <a:font script="Ethi" typeface="Nyala"/>
+        <a:font script="Beng" typeface="Vrinda"/>
+        <a:font script="Gujr" typeface="Shruti"/>
+        <a:font script="Khmr" typeface="MoolBoran"/>
+        <a:font script="Knda" typeface="Tunga"/>
+        <a:font script="Guru" typeface="Raavi"/>
+        <a:font script="Cans" typeface="Euphemia"/>
+        <a:font script="Cher" typeface="Plantagenet Cherokee"/>
+        <a:font script="Yiii" typeface="Microsoft Yi Baiti"/>
+        <a:font script="Tibt" typeface="Microsoft Himalaya"/>
+        <a:font script="Thaa" typeface="MV Boli"/>
+        <a:font script="Deva" typeface="Mangal"/>
+        <a:font script="Telu" typeface="Gautami"/>
+        <a:font script="Taml" typeface="Latha"/>
+        <a:font script="Syrc" typeface="Estrangelo Edessa"/>
+        <a:font script="Orya" typeface="Kalinga"/>
+        <a:font script="Mlym" typeface="Kartika"/>
+        <a:font script="Laoo" typeface="DokChampa"/>
+        <a:font script="Sinh" typeface="Iskoola Pota"/>
+        <a:font script="Mong" typeface="Mongolian Baiti"/>
+        <a:font script="Viet" typeface="Times New Roman"/>
+        <a:font script="Uigh" typeface="Microsoft Uighur"/>
+        <a:font script="Geor" typeface="Sylfaen"/>
+        <a:font script="Armn" typeface="Arial"/>
+        <a:font script="Bugi" typeface="Leelawadee UI"/>
+        <a:font script="Bopo" typeface="Microsoft JhengHei"/>
+        <a:font script="Java" typeface="Javanese Text"/>
+        <a:font script="Lisu" typeface="Segoe UI"/>
+        <a:font script="Mymr" typeface="Myanmar Text"/>
+        <a:font script="Nkoo" typeface="Ebrima"/>
+        <a:font script="Olck" typeface="Nirmala UI"/>
+        <a:font script="Osma" typeface="Ebrima"/>
+        <a:font script="Phag" typeface="Phagspa"/>
+        <a:font script="Syrn" typeface="Estrangelo Edessa"/>
+        <a:font script="Syrj" typeface="Estrangelo Edessa"/>
+        <a:font script="Syre" typeface="Estrangelo Edessa"/>
+        <a:font script="Sora" typeface="Nirmala UI"/>
+        <a:font script="Tale" typeface="Microsoft Tai Le"/>
+        <a:font script="Talu" typeface="Microsoft New Tai Lue"/>
+        <a:font script="Tfng" typeface="Ebrima"/>
+      </a:majorFont>
+      <a:minorFont>
+        <a:latin typeface="Calibri" panose="020F0502020204030204"/>
+        <a:ea typeface=""/>
+        <a:cs typeface=""/>
+        <a:font script="Jpan" typeface="游ゴシック"/>
+        <a:font script="Hang" typeface="맑은 고딕"/>
+        <a:font script="Hans" typeface="等线"/>
+        <a:font script="Hant" typeface="新細明體"/>
+        <a:font script="Arab" typeface="Arial"/>
+        <a:font script="Hebr" typeface="Arial"/>
+        <a:font script="Thai" typeface="Cordia New"/>
+        <a:font script="Ethi" typeface="Nyala"/>
+        <a:font script="Beng" typeface="Vrinda"/>
+        <a:font script="Gujr" typeface="Shruti"/>
+        <a:font script="Khmr" typeface="DaunPenh"/>
+        <a:font script="Knda" typeface="Tunga"/>
+        <a:font script="Guru" typeface="Raavi"/>
+        <a:font script="Cans" typeface="Euphemia"/>
+        <a:font script="Cher" typeface="Plantagenet Cherokee"/>
+        <a:font script="Yiii" typeface="Microsoft Yi Baiti"/>
+        <a:font script="Tibt" typeface="Microsoft Himalaya"/>
+        <a:font script="Thaa" typeface="MV Boli"/>
+        <a:font script="Deva" typeface="Mangal"/>
+        <a:font script="Telu" typeface="Gautami"/>
+        <a:font script="Taml" typeface="Latha"/>
+        <a:font script="Syrc" typeface="Estrangelo Edessa"/>
+        <a:font script="Orya" typeface="Kalinga"/>
+        <a:font script="Mlym" typeface="Kartika"/>
+        <a:font script="Laoo" typeface="DokChampa"/>
+        <a:font script="Sinh" typeface="Iskoola Pota"/>
+        <a:font script="Mong" typeface="Mongolian Baiti"/>
+        <a:font script="Viet" typeface="Arial"/>
+        <a:font script="Uigh" typeface="Microsoft Uighur"/>
+        <a:font script="Geor" typeface="Sylfaen"/>
+        <a:font script="Armn" typeface="Arial"/>
+        <a:font script="Bugi" typeface="Leelawadee UI"/>
+        <a:font script="Bopo" typeface="Microsoft JhengHei"/>
+        <a:font script="Java" typeface="Javanese Text"/>
+        <a:font script="Lisu" typeface="Segoe UI"/>
+        <a:font script="Mymr" typeface="Myanmar Text"/>
+        <a:font script="Nkoo" typeface="Ebrima"/>
+        <a:font script="Olck" typeface="Nirmala UI"/>
+        <a:font script="Osma" typeface="Ebrima"/>
+        <a:font script="Phag" typeface="Phagspa"/>
+        <a:font script="Syrn" typeface="Estrangelo Edessa"/>
+        <a:font script="Syrj" typeface="Estrangelo Edessa"/>
+        <a:font script="Syre" typeface="Estrangelo Edessa"/>
+        <a:font script="Sora" typeface="Nirmala UI"/>
+        <a:font script="Tale" typeface="Microsoft Tai Le"/>
+        <a:font script="Talu" typeface="Microsoft New Tai Lue"/>
+        <a:font script="Tfng" typeface="Ebrima"/>
+      </a:minorFont>
+    </a:fontScheme>
+    <a:fmtScheme name="Office">
+      <a:fillStyleLst>
+        <a:solidFill>
+          <a:schemeClr val="phClr"/>
+        </a:solidFill>
+        <a:gradFill rotWithShape="1">
+          <a:gsLst>
+            <a:gs pos="0">
+              <a:schemeClr val="phClr">
+                <a:lumMod val="110000"/>
+                <a:satMod val="105000"/>
+                <a:tint val="67000"/>
+              </a:schemeClr>
+            </a:gs>
+            <a:gs pos="50000">
+              <a:schemeClr val="phClr">
+                <a:lumMod val="105000"/>
+                <a:satMod val="103000"/>
+                <a:tint val="73000"/>
+              </a:schemeClr>
+            </a:gs>
+            <a:gs pos="100000">
+              <a:schemeClr val="phClr">
+                <a:lumMod val="105000"/>
+                <a:satMod val="109000"/>
+                <a:tint val="81000"/>
+              </a:schemeClr>
+            </a:gs>
+          </a:gsLst>
+          <a:lin ang="5400000" scaled="0"/>
+        </a:gradFill>
+        <a:gradFill rotWithShape="1">
+          <a:gsLst>
+            <a:gs pos="0">
+              <a:schemeClr val="phClr">
+                <a:satMod val="103000"/>
+                <a:lumMod val="102000"/>
+                <a:tint val="94000"/>
+              </a:schemeClr>
+            </a:gs>
+            <a:gs pos="50000">
+              <a:schemeClr val="phClr">
+                <a:satMod val="110000"/>
+                <a:lumMod val="100000"/>
+                <a:shade val="100000"/>
+              </a:schemeClr>
+            </a:gs>
+            <a:gs pos="100000">
+              <a:schemeClr val="phClr">
+                <a:lumMod val="99000"/>
+                <a:satMod val="120000"/>
+                <a:shade val="78000"/>
+              </a:schemeClr>
+            </a:gs>
+          </a:gsLst>
+          <a:lin ang="5400000" scaled="0"/>
+        </a:gradFill>
+      </a:fillStyleLst>
+      <a:lnStyleLst>
+        <a:ln w="6350" cap="flat" cmpd="sng" algn="ctr">
+          <a:solidFill>
+            <a:schemeClr val="phClr"/>
+          </a:solidFill>
+          <a:prstDash val="solid"/>
+          <a:miter lim="800000"/>
+        </a:ln>
+        <a:ln w="12700" cap="flat" cmpd="sng" algn="ctr">
+          <a:solidFill>
+            <a:schemeClr val="phClr"/>
+          </a:solidFill>
+          <a:prstDash val="solid"/>
+          <a:miter lim="800000"/>
+        </a:ln>
+        <a:ln w="19050" cap="flat" cmpd="sng" algn="ctr">
+          <a:solidFill>
+            <a:schemeClr val="phClr"/>
+          </a:solidFill>
+          <a:prstDash val="solid"/>
+          <a:miter lim="800000"/>
+        </a:ln>
+      </a:lnStyleLst>
+      <a:effectStyleLst>
+        <a:effectStyle>
+          <a:effectLst/>
+        </a:effectStyle>
+        <a:effectStyle>
+          <a:effectLst/>
+        </a:effectStyle>
+        <a:effectStyle>
+          <a:effectLst>
+            <a:outerShdw blurRad="57150" dist="19050" dir="5400000" algn="ctr" rotWithShape="0">
+              <a:srgbClr val="000000">
+                <a:alpha val="63000"/>
+              </a:srgbClr>
+            </a:outerShdw>
+          </a:effectLst>
+        </a:effectStyle>
+      </a:effectStyleLst>
+      <a:bgFillStyleLst>
+        <a:solidFill>
+          <a:schemeClr val="phClr"/>
+        </a:solidFill>
+        <a:solidFill>
+          <a:schemeClr val="phClr">
+            <a:tint val="95000"/>
+            <a:satMod val="170000"/>
+          </a:schemeClr>
+        </a:solidFill>
+        <a:gradFill rotWithShape="1">
+          <a:gsLst>
+            <a:gs pos="0">
+              <a:schemeClr val="phClr">
+                <a:tint val="93000"/>
+                <a:satMod val="150000"/>
+                <a:shade val="98000"/>
+                <a:lumMod val="102000"/>
+              </a:schemeClr>
+            </a:gs>
+            <a:gs pos="50000">
+              <a:schemeClr val="phClr">
+                <a:tint val="98000"/>
+                <a:satMod val="130000"/>
+                <a:shade val="90000"/>
+                <a:lumMod val="103000"/>
+              </a:schemeClr>
+            </a:gs>
+            <a:gs pos="100000">
+              <a:schemeClr val="phClr">
+                <a:shade val="63000"/>
+                <a:satMod val="120000"/>
+              </a:schemeClr>
+            </a:gs>
+          </a:gsLst>
+          <a:lin ang="5400000" scaled="0"/>
+        </a:gradFill>
+      </a:bgFillStyleLst>
+    </a:fmtScheme>
+  </a:themeElements>
+  <a:objectDefaults/>
+  <a:extraClrSchemeLst/>
+  <a:extLst>
+    <a:ext uri="{05A4C25C-085E-4340-85A3-A5531E510DB2}">
+      <thm15:themeFamily xmlns:thm15="http://schemas.microsoft.com/office/thememl/2012/main" name="Office Theme" id="{62F939B6-93AF-4DB8-9C6B-D6C7DFDC589F}" vid="{4A3C46E8-61CC-4603-A589-7422A47A8E4A}"/>
+    </a:ext>
+  </a:extLst>
+</a:theme>
 </file>